--- a/IMVC_Poster.pptx
+++ b/IMVC_Poster.pptx
@@ -104,6 +104,11 @@
       </a:defRPr>
     </a:lvl9pPr>
   </p:defaultTextStyle>
+  <p:extLst>
+    <p:ext uri="{EFAFB233-063F-42B5-8137-9DF3F51BA10A}">
+      <p15:sldGuideLst xmlns:p15="http://schemas.microsoft.com/office/powerpoint/2012/main"/>
+    </p:ext>
+  </p:extLst>
 </p:presentation>
 </file>
 
@@ -238,7 +243,7 @@
           <a:p>
             <a:fld id="{5E80B7E4-612C-CC4A-A72E-1A997F7627B3}" type="datetimeFigureOut">
               <a:rPr lang="en-US" smtClean="0"/>
-              <a:t>2/27/18</a:t>
+              <a:t>3/4/18</a:t>
             </a:fld>
             <a:endParaRPr lang="en-US"/>
           </a:p>
@@ -408,7 +413,7 @@
           <a:p>
             <a:fld id="{5E80B7E4-612C-CC4A-A72E-1A997F7627B3}" type="datetimeFigureOut">
               <a:rPr lang="en-US" smtClean="0"/>
-              <a:t>2/27/18</a:t>
+              <a:t>3/4/18</a:t>
             </a:fld>
             <a:endParaRPr lang="en-US"/>
           </a:p>
@@ -588,7 +593,7 @@
           <a:p>
             <a:fld id="{5E80B7E4-612C-CC4A-A72E-1A997F7627B3}" type="datetimeFigureOut">
               <a:rPr lang="en-US" smtClean="0"/>
-              <a:t>2/27/18</a:t>
+              <a:t>3/4/18</a:t>
             </a:fld>
             <a:endParaRPr lang="en-US"/>
           </a:p>
@@ -758,7 +763,7 @@
           <a:p>
             <a:fld id="{5E80B7E4-612C-CC4A-A72E-1A997F7627B3}" type="datetimeFigureOut">
               <a:rPr lang="en-US" smtClean="0"/>
-              <a:t>2/27/18</a:t>
+              <a:t>3/4/18</a:t>
             </a:fld>
             <a:endParaRPr lang="en-US"/>
           </a:p>
@@ -1004,7 +1009,7 @@
           <a:p>
             <a:fld id="{5E80B7E4-612C-CC4A-A72E-1A997F7627B3}" type="datetimeFigureOut">
               <a:rPr lang="en-US" smtClean="0"/>
-              <a:t>2/27/18</a:t>
+              <a:t>3/4/18</a:t>
             </a:fld>
             <a:endParaRPr lang="en-US"/>
           </a:p>
@@ -1236,7 +1241,7 @@
           <a:p>
             <a:fld id="{5E80B7E4-612C-CC4A-A72E-1A997F7627B3}" type="datetimeFigureOut">
               <a:rPr lang="en-US" smtClean="0"/>
-              <a:t>2/27/18</a:t>
+              <a:t>3/4/18</a:t>
             </a:fld>
             <a:endParaRPr lang="en-US"/>
           </a:p>
@@ -1603,7 +1608,7 @@
           <a:p>
             <a:fld id="{5E80B7E4-612C-CC4A-A72E-1A997F7627B3}" type="datetimeFigureOut">
               <a:rPr lang="en-US" smtClean="0"/>
-              <a:t>2/27/18</a:t>
+              <a:t>3/4/18</a:t>
             </a:fld>
             <a:endParaRPr lang="en-US"/>
           </a:p>
@@ -1721,7 +1726,7 @@
           <a:p>
             <a:fld id="{5E80B7E4-612C-CC4A-A72E-1A997F7627B3}" type="datetimeFigureOut">
               <a:rPr lang="en-US" smtClean="0"/>
-              <a:t>2/27/18</a:t>
+              <a:t>3/4/18</a:t>
             </a:fld>
             <a:endParaRPr lang="en-US"/>
           </a:p>
@@ -1816,7 +1821,7 @@
           <a:p>
             <a:fld id="{5E80B7E4-612C-CC4A-A72E-1A997F7627B3}" type="datetimeFigureOut">
               <a:rPr lang="en-US" smtClean="0"/>
-              <a:t>2/27/18</a:t>
+              <a:t>3/4/18</a:t>
             </a:fld>
             <a:endParaRPr lang="en-US"/>
           </a:p>
@@ -2093,7 +2098,7 @@
           <a:p>
             <a:fld id="{5E80B7E4-612C-CC4A-A72E-1A997F7627B3}" type="datetimeFigureOut">
               <a:rPr lang="en-US" smtClean="0"/>
-              <a:t>2/27/18</a:t>
+              <a:t>3/4/18</a:t>
             </a:fld>
             <a:endParaRPr lang="en-US"/>
           </a:p>
@@ -2346,7 +2351,7 @@
           <a:p>
             <a:fld id="{5E80B7E4-612C-CC4A-A72E-1A997F7627B3}" type="datetimeFigureOut">
               <a:rPr lang="en-US" smtClean="0"/>
-              <a:t>2/27/18</a:t>
+              <a:t>3/4/18</a:t>
             </a:fld>
             <a:endParaRPr lang="en-US"/>
           </a:p>
@@ -2559,7 +2564,7 @@
           <a:p>
             <a:fld id="{5E80B7E4-612C-CC4A-A72E-1A997F7627B3}" type="datetimeFigureOut">
               <a:rPr lang="en-US" smtClean="0"/>
-              <a:t>2/27/18</a:t>
+              <a:t>3/4/18</a:t>
             </a:fld>
             <a:endParaRPr lang="en-US"/>
           </a:p>
@@ -2973,7 +2978,7 @@
         <p:spPr>
           <a:xfrm>
             <a:off x="5854842" y="789061"/>
-            <a:ext cx="20924016" cy="3893374"/>
+            <a:ext cx="20924016" cy="5740033"/>
           </a:xfrm>
           <a:prstGeom prst="rect">
             <a:avLst/>
@@ -2988,9 +2993,9 @@
           <a:p>
             <a:pPr algn="ctr"/>
             <a:r>
-              <a:rPr lang="en-US" sz="13900" dirty="0" smtClean="0">
-                <a:solidFill>
-                  <a:schemeClr val="accent1">
+              <a:rPr lang="en-US" sz="13900" dirty="0" err="1" smtClean="0">
+                <a:solidFill>
+                  <a:schemeClr val="accent5">
                     <a:lumMod val="50000"/>
                   </a:schemeClr>
                 </a:solidFill>
@@ -3000,13 +3005,23 @@
               </a:rPr>
               <a:t>AirDrums</a:t>
             </a:r>
+            <a:endParaRPr lang="en-US" sz="13900" dirty="0" smtClean="0">
+              <a:solidFill>
+                <a:schemeClr val="accent5">
+                  <a:lumMod val="50000"/>
+                </a:schemeClr>
+              </a:solidFill>
+              <a:latin typeface="Marker Felt Thin" charset="0"/>
+              <a:ea typeface="Marker Felt Thin" charset="0"/>
+              <a:cs typeface="Marker Felt Thin" charset="0"/>
+            </a:endParaRPr>
           </a:p>
           <a:p>
             <a:pPr algn="ctr"/>
             <a:r>
-              <a:rPr lang="en-US" sz="5400" dirty="0" err="1" smtClean="0">
-                <a:solidFill>
-                  <a:schemeClr val="accent1">
+              <a:rPr lang="en-US" sz="6600" b="1" dirty="0">
+                <a:solidFill>
+                  <a:schemeClr val="accent5">
                     <a:lumMod val="50000"/>
                   </a:schemeClr>
                 </a:solidFill>
@@ -3014,12 +3029,12 @@
                 <a:ea typeface="Avenir Book" charset="0"/>
                 <a:cs typeface="Avenir Book" charset="0"/>
               </a:rPr>
-              <a:t>Roi</a:t>
-            </a:r>
-            <a:r>
-              <a:rPr lang="en-US" sz="5400" dirty="0" smtClean="0">
-                <a:solidFill>
-                  <a:schemeClr val="accent1">
+              <a:t> </a:t>
+            </a:r>
+            <a:r>
+              <a:rPr lang="en-US" sz="6600" b="1" dirty="0" smtClean="0">
+                <a:solidFill>
+                  <a:schemeClr val="accent5">
                     <a:lumMod val="50000"/>
                   </a:schemeClr>
                 </a:solidFill>
@@ -3027,12 +3042,12 @@
                 <a:ea typeface="Avenir Book" charset="0"/>
                 <a:cs typeface="Avenir Book" charset="0"/>
               </a:rPr>
-              <a:t> Hirsch, Ori </a:t>
-            </a:r>
-            <a:r>
-              <a:rPr lang="en-US" sz="5400" dirty="0" err="1" smtClean="0">
-                <a:solidFill>
-                  <a:schemeClr val="accent1">
+              <a:t>Virtual </a:t>
+            </a:r>
+            <a:r>
+              <a:rPr lang="en-US" sz="6600" b="1" dirty="0">
+                <a:solidFill>
+                  <a:schemeClr val="accent5">
                     <a:lumMod val="50000"/>
                   </a:schemeClr>
                 </a:solidFill>
@@ -3040,12 +3055,12 @@
                 <a:ea typeface="Avenir Book" charset="0"/>
                 <a:cs typeface="Avenir Book" charset="0"/>
               </a:rPr>
-              <a:t>Chayoot</a:t>
-            </a:r>
-            <a:r>
-              <a:rPr lang="en-US" sz="5400" dirty="0" smtClean="0">
-                <a:solidFill>
-                  <a:schemeClr val="accent1">
+              <a:t>drum kit using stereo </a:t>
+            </a:r>
+            <a:r>
+              <a:rPr lang="en-US" sz="6600" b="1" dirty="0" smtClean="0">
+                <a:solidFill>
+                  <a:schemeClr val="accent5">
                     <a:lumMod val="50000"/>
                   </a:schemeClr>
                 </a:solidFill>
@@ -3053,12 +3068,15 @@
                 <a:ea typeface="Avenir Book" charset="0"/>
                 <a:cs typeface="Avenir Book" charset="0"/>
               </a:rPr>
-              <a:t>, Gal </a:t>
-            </a:r>
-            <a:r>
-              <a:rPr lang="en-US" sz="5400" dirty="0" err="1" smtClean="0">
-                <a:solidFill>
-                  <a:schemeClr val="accent1">
+              <a:t>imaging</a:t>
+            </a:r>
+          </a:p>
+          <a:p>
+            <a:pPr algn="ctr"/>
+            <a:r>
+              <a:rPr lang="en-US" sz="5400" dirty="0">
+                <a:solidFill>
+                  <a:schemeClr val="accent5">
                     <a:lumMod val="50000"/>
                   </a:schemeClr>
                 </a:solidFill>
@@ -3066,50 +3084,11 @@
                 <a:ea typeface="Avenir Book" charset="0"/>
                 <a:cs typeface="Avenir Book" charset="0"/>
               </a:rPr>
-              <a:t>Lifshitz</a:t>
-            </a:r>
-            <a:r>
-              <a:rPr lang="en-US" sz="5400" dirty="0" smtClean="0">
-                <a:solidFill>
-                  <a:schemeClr val="accent1">
-                    <a:lumMod val="50000"/>
-                  </a:schemeClr>
-                </a:solidFill>
-                <a:latin typeface="Avenir Book" charset="0"/>
-                <a:ea typeface="Avenir Book" charset="0"/>
-                <a:cs typeface="Avenir Book" charset="0"/>
-              </a:rPr>
-              <a:t>, </a:t>
-            </a:r>
-            <a:r>
-              <a:rPr lang="en-US" sz="5400" dirty="0" err="1" smtClean="0">
-                <a:solidFill>
-                  <a:schemeClr val="accent1">
-                    <a:lumMod val="50000"/>
-                  </a:schemeClr>
-                </a:solidFill>
-                <a:latin typeface="Avenir Book" charset="0"/>
-                <a:ea typeface="Avenir Book" charset="0"/>
-                <a:cs typeface="Avenir Book" charset="0"/>
-              </a:rPr>
-              <a:t>Asaf</a:t>
-            </a:r>
-            <a:r>
-              <a:rPr lang="en-US" sz="5400" dirty="0" smtClean="0">
-                <a:solidFill>
-                  <a:schemeClr val="accent1">
-                    <a:lumMod val="50000"/>
-                  </a:schemeClr>
-                </a:solidFill>
-                <a:latin typeface="Avenir Book" charset="0"/>
-                <a:ea typeface="Avenir Book" charset="0"/>
-                <a:cs typeface="Avenir Book" charset="0"/>
-              </a:rPr>
-              <a:t> Manor</a:t>
-            </a:r>
-            <a:endParaRPr lang="he-IL" sz="5400" dirty="0" smtClean="0">
+              <a:t> </a:t>
+            </a:r>
+            <a:endParaRPr lang="en-US" sz="5400" dirty="0">
               <a:solidFill>
-                <a:schemeClr val="accent1">
+                <a:schemeClr val="accent5">
                   <a:lumMod val="50000"/>
                 </a:schemeClr>
               </a:solidFill>
@@ -3121,9 +3100,9 @@
           <a:p>
             <a:pPr algn="ctr"/>
             <a:r>
-              <a:rPr lang="en-US" sz="5400" dirty="0" smtClean="0">
-                <a:solidFill>
-                  <a:schemeClr val="accent1">
+              <a:rPr lang="en-US" sz="5400" dirty="0" err="1" smtClean="0">
+                <a:solidFill>
+                  <a:schemeClr val="accent5">
                     <a:lumMod val="50000"/>
                   </a:schemeClr>
                 </a:solidFill>
@@ -3131,12 +3110,12 @@
                 <a:ea typeface="Avenir Book" charset="0"/>
                 <a:cs typeface="Avenir Book" charset="0"/>
               </a:rPr>
-              <a:t>Advisor: Dr. Tammy </a:t>
-            </a:r>
-            <a:r>
-              <a:rPr lang="en-US" sz="5400" dirty="0" err="1" smtClean="0">
-                <a:solidFill>
-                  <a:schemeClr val="accent1">
+              <a:t>Roi</a:t>
+            </a:r>
+            <a:r>
+              <a:rPr lang="en-US" sz="5400" dirty="0" smtClean="0">
+                <a:solidFill>
+                  <a:schemeClr val="accent5">
                     <a:lumMod val="50000"/>
                   </a:schemeClr>
                 </a:solidFill>
@@ -3144,12 +3123,12 @@
                 <a:ea typeface="Avenir Book" charset="0"/>
                 <a:cs typeface="Avenir Book" charset="0"/>
               </a:rPr>
-              <a:t>Riklin</a:t>
-            </a:r>
-            <a:r>
-              <a:rPr lang="en-US" sz="5400" dirty="0" smtClean="0">
-                <a:solidFill>
-                  <a:schemeClr val="accent1">
+              <a:t> Hirsch, Ori </a:t>
+            </a:r>
+            <a:r>
+              <a:rPr lang="en-US" sz="5400" dirty="0" err="1" smtClean="0">
+                <a:solidFill>
+                  <a:schemeClr val="accent5">
                     <a:lumMod val="50000"/>
                   </a:schemeClr>
                 </a:solidFill>
@@ -3157,12 +3136,12 @@
                 <a:ea typeface="Avenir Book" charset="0"/>
                 <a:cs typeface="Avenir Book" charset="0"/>
               </a:rPr>
-              <a:t> </a:t>
-            </a:r>
-            <a:r>
-              <a:rPr lang="en-US" sz="5400" dirty="0" err="1" smtClean="0">
-                <a:solidFill>
-                  <a:schemeClr val="accent1">
+              <a:t>Chayoot</a:t>
+            </a:r>
+            <a:r>
+              <a:rPr lang="en-US" sz="5400" dirty="0" smtClean="0">
+                <a:solidFill>
+                  <a:schemeClr val="accent5">
                     <a:lumMod val="50000"/>
                   </a:schemeClr>
                 </a:solidFill>
@@ -3170,11 +3149,63 @@
                 <a:ea typeface="Avenir Book" charset="0"/>
                 <a:cs typeface="Avenir Book" charset="0"/>
               </a:rPr>
-              <a:t>Raviv</a:t>
-            </a:r>
-            <a:endParaRPr lang="en-US" sz="5400" dirty="0">
+              <a:t>, Gal </a:t>
+            </a:r>
+            <a:r>
+              <a:rPr lang="en-US" sz="5400" dirty="0" err="1" smtClean="0">
+                <a:solidFill>
+                  <a:schemeClr val="accent5">
+                    <a:lumMod val="50000"/>
+                  </a:schemeClr>
+                </a:solidFill>
+                <a:latin typeface="Avenir Book" charset="0"/>
+                <a:ea typeface="Avenir Book" charset="0"/>
+                <a:cs typeface="Avenir Book" charset="0"/>
+              </a:rPr>
+              <a:t>Lifshitz</a:t>
+            </a:r>
+            <a:r>
+              <a:rPr lang="en-US" sz="5400" dirty="0" smtClean="0">
+                <a:solidFill>
+                  <a:schemeClr val="accent5">
+                    <a:lumMod val="50000"/>
+                  </a:schemeClr>
+                </a:solidFill>
+                <a:latin typeface="Avenir Book" charset="0"/>
+                <a:ea typeface="Avenir Book" charset="0"/>
+                <a:cs typeface="Avenir Book" charset="0"/>
+              </a:rPr>
+              <a:t>, </a:t>
+            </a:r>
+            <a:r>
+              <a:rPr lang="en-US" sz="5400" dirty="0" err="1" smtClean="0">
+                <a:solidFill>
+                  <a:schemeClr val="accent5">
+                    <a:lumMod val="50000"/>
+                  </a:schemeClr>
+                </a:solidFill>
+                <a:latin typeface="Avenir Book" charset="0"/>
+                <a:ea typeface="Avenir Book" charset="0"/>
+                <a:cs typeface="Avenir Book" charset="0"/>
+              </a:rPr>
+              <a:t>Asaf</a:t>
+            </a:r>
+            <a:r>
+              <a:rPr lang="en-US" sz="5400" dirty="0" smtClean="0">
+                <a:solidFill>
+                  <a:schemeClr val="accent5">
+                    <a:lumMod val="50000"/>
+                  </a:schemeClr>
+                </a:solidFill>
+                <a:latin typeface="Avenir Book" charset="0"/>
+                <a:ea typeface="Avenir Book" charset="0"/>
+                <a:cs typeface="Avenir Book" charset="0"/>
+              </a:rPr>
+              <a:t> Manor</a:t>
+            </a:r>
+            <a:endParaRPr lang="he-IL" sz="5400" dirty="0" smtClean="0">
               <a:solidFill>
-                <a:schemeClr val="accent1">
+                <a:schemeClr val="accent5">
                   <a:lumMod val="50000"/>
                 </a:schemeClr>
               </a:solidFill>
@@ -3183,6 +3214,71 @@
               <a:cs typeface="Avenir Book" charset="0"/>
             </a:endParaRPr>
           </a:p>
+          <a:p>
+            <a:pPr algn="ctr"/>
+            <a:r>
+              <a:rPr lang="en-US" sz="5400" dirty="0" smtClean="0">
+                <a:solidFill>
+                  <a:schemeClr val="accent5">
+                    <a:lumMod val="50000"/>
+                  </a:schemeClr>
+                </a:solidFill>
+                <a:latin typeface="Avenir Book" charset="0"/>
+                <a:ea typeface="Avenir Book" charset="0"/>
+                <a:cs typeface="Avenir Book" charset="0"/>
+              </a:rPr>
+              <a:t>Advisor: Dr. Tammy </a:t>
+            </a:r>
+            <a:r>
+              <a:rPr lang="en-US" sz="5400" dirty="0" err="1" smtClean="0">
+                <a:solidFill>
+                  <a:schemeClr val="accent5">
+                    <a:lumMod val="50000"/>
+                  </a:schemeClr>
+                </a:solidFill>
+                <a:latin typeface="Avenir Book" charset="0"/>
+                <a:ea typeface="Avenir Book" charset="0"/>
+                <a:cs typeface="Avenir Book" charset="0"/>
+              </a:rPr>
+              <a:t>Riklin</a:t>
+            </a:r>
+            <a:r>
+              <a:rPr lang="en-US" sz="5400" dirty="0" smtClean="0">
+                <a:solidFill>
+                  <a:schemeClr val="accent5">
+                    <a:lumMod val="50000"/>
+                  </a:schemeClr>
+                </a:solidFill>
+                <a:latin typeface="Avenir Book" charset="0"/>
+                <a:ea typeface="Avenir Book" charset="0"/>
+                <a:cs typeface="Avenir Book" charset="0"/>
+              </a:rPr>
+              <a:t> </a:t>
+            </a:r>
+            <a:r>
+              <a:rPr lang="en-US" sz="5400" dirty="0" err="1" smtClean="0">
+                <a:solidFill>
+                  <a:schemeClr val="accent5">
+                    <a:lumMod val="50000"/>
+                  </a:schemeClr>
+                </a:solidFill>
+                <a:latin typeface="Avenir Book" charset="0"/>
+                <a:ea typeface="Avenir Book" charset="0"/>
+                <a:cs typeface="Avenir Book" charset="0"/>
+              </a:rPr>
+              <a:t>Raviv</a:t>
+            </a:r>
+            <a:endParaRPr lang="en-US" sz="5400" dirty="0">
+              <a:solidFill>
+                <a:schemeClr val="accent5">
+                  <a:lumMod val="50000"/>
+                </a:schemeClr>
+              </a:solidFill>
+              <a:latin typeface="Avenir Book" charset="0"/>
+              <a:ea typeface="Avenir Book" charset="0"/>
+              <a:cs typeface="Avenir Book" charset="0"/>
+            </a:endParaRPr>
+          </a:p>
         </p:txBody>
       </p:sp>
       <p:sp>
@@ -3193,19 +3289,29 @@
         </p:nvSpPr>
         <p:spPr>
           <a:xfrm>
-            <a:off x="0" y="5791202"/>
-            <a:ext cx="17068800" cy="8969828"/>
+            <a:off x="0" y="6583682"/>
+            <a:ext cx="15849600" cy="8969828"/>
           </a:xfrm>
           <a:prstGeom prst="rect">
             <a:avLst/>
           </a:prstGeom>
-          <a:solidFill>
-            <a:schemeClr val="tx2">
-              <a:lumMod val="75000"/>
-            </a:schemeClr>
-          </a:solidFill>
-          <a:effectLst/>
+          <a:noFill/>
+          <a:ln w="76200"/>
         </p:spPr>
+        <p:style>
+          <a:lnRef idx="2">
+            <a:schemeClr val="accent1"/>
+          </a:lnRef>
+          <a:fillRef idx="1">
+            <a:schemeClr val="lt1"/>
+          </a:fillRef>
+          <a:effectRef idx="0">
+            <a:schemeClr val="accent1"/>
+          </a:effectRef>
+          <a:fontRef idx="minor">
+            <a:schemeClr val="dk1"/>
+          </a:fontRef>
+        </p:style>
         <p:txBody>
           <a:bodyPr wrap="square" lIns="360000" rIns="360000" numCol="1" spcCol="360000" rtlCol="0">
             <a:noAutofit/>
@@ -3218,9 +3324,11 @@
               </a:lnSpc>
             </a:pPr>
             <a:r>
-              <a:rPr lang="en-US" sz="5400" dirty="0" smtClean="0">
-                <a:solidFill>
-                  <a:schemeClr val="bg1"/>
+              <a:rPr lang="en-US" sz="5400" b="1" dirty="0" smtClean="0">
+                <a:solidFill>
+                  <a:schemeClr val="accent5">
+                    <a:lumMod val="50000"/>
+                  </a:schemeClr>
                 </a:solidFill>
                 <a:latin typeface="Avenir Light" charset="0"/>
                 <a:ea typeface="Avenir Light" charset="0"/>
@@ -3238,7 +3346,7 @@
             <a:r>
               <a:rPr lang="en-US" sz="4000" dirty="0" smtClean="0">
                 <a:solidFill>
-                  <a:schemeClr val="bg1"/>
+                  <a:sysClr val="windowText" lastClr="000000"/>
                 </a:solidFill>
                 <a:latin typeface="Avenir Light" charset="0"/>
                 <a:ea typeface="Avenir Light" charset="0"/>
@@ -3249,7 +3357,7 @@
             <a:r>
               <a:rPr lang="en-US" sz="4000" dirty="0">
                 <a:solidFill>
-                  <a:schemeClr val="bg1"/>
+                  <a:sysClr val="windowText" lastClr="000000"/>
                 </a:solidFill>
                 <a:latin typeface="Avenir Light" charset="0"/>
                 <a:ea typeface="Avenir Light" charset="0"/>
@@ -3260,7 +3368,7 @@
             <a:r>
               <a:rPr lang="en-US" sz="4000" dirty="0" smtClean="0">
                 <a:solidFill>
-                  <a:schemeClr val="bg1"/>
+                  <a:sysClr val="windowText" lastClr="000000"/>
                 </a:solidFill>
                 <a:latin typeface="Avenir Light" charset="0"/>
                 <a:ea typeface="Avenir Light" charset="0"/>
@@ -3270,7 +3378,7 @@
             </a:r>
             <a:endParaRPr lang="en-US" sz="4800" dirty="0">
               <a:solidFill>
-                <a:schemeClr val="bg1"/>
+                <a:sysClr val="windowText" lastClr="000000"/>
               </a:solidFill>
               <a:latin typeface="Avenir Light" charset="0"/>
               <a:ea typeface="Avenir Light" charset="0"/>
@@ -3287,23 +3395,64 @@
         </p:nvSpPr>
         <p:spPr>
           <a:xfrm>
-            <a:off x="17068800" y="5791201"/>
-            <a:ext cx="15330488" cy="8969829"/>
+            <a:off x="15849600" y="6583681"/>
+            <a:ext cx="16549688" cy="8969829"/>
           </a:xfrm>
           <a:prstGeom prst="rect">
             <a:avLst/>
           </a:prstGeom>
-          <a:solidFill>
-            <a:schemeClr val="tx2">
-              <a:lumMod val="75000"/>
-            </a:schemeClr>
-          </a:solidFill>
+          <a:noFill/>
+          <a:ln w="76200"/>
         </p:spPr>
+        <p:style>
+          <a:lnRef idx="2">
+            <a:schemeClr val="accent1"/>
+          </a:lnRef>
+          <a:fillRef idx="1">
+            <a:schemeClr val="lt1"/>
+          </a:fillRef>
+          <a:effectRef idx="0">
+            <a:schemeClr val="accent1"/>
+          </a:effectRef>
+          <a:fontRef idx="minor">
+            <a:schemeClr val="dk1"/>
+          </a:fontRef>
+        </p:style>
         <p:txBody>
           <a:bodyPr lIns="360000" rIns="360000">
             <a:noAutofit/>
           </a:bodyPr>
           <a:lstStyle/>
+          <a:p>
+            <a:pPr>
+              <a:lnSpc>
+                <a:spcPct val="150000"/>
+              </a:lnSpc>
+            </a:pPr>
+            <a:r>
+              <a:rPr lang="en-US" sz="5400" b="1" dirty="0" smtClean="0">
+                <a:solidFill>
+                  <a:schemeClr val="accent5">
+                    <a:lumMod val="50000"/>
+                  </a:schemeClr>
+                </a:solidFill>
+                <a:latin typeface="Avenir Light" charset="0"/>
+                <a:ea typeface="Avenir Light" charset="0"/>
+                <a:cs typeface="Avenir Light" charset="0"/>
+              </a:rPr>
+              <a:t>REQUIREMENTS</a:t>
+            </a:r>
+            <a:endParaRPr lang="en-US" sz="5400" b="1" dirty="0">
+              <a:solidFill>
+                <a:schemeClr val="accent5">
+                  <a:lumMod val="50000"/>
+                </a:schemeClr>
+              </a:solidFill>
+              <a:latin typeface="Avenir Light" charset="0"/>
+              <a:ea typeface="Avenir Light" charset="0"/>
+              <a:cs typeface="Avenir Light" charset="0"/>
+            </a:endParaRPr>
+          </a:p>
           <a:p>
             <a:pPr algn="just">
               <a:lnSpc>
@@ -3311,27 +3460,9 @@
               </a:lnSpc>
             </a:pPr>
             <a:r>
-              <a:rPr lang="en-US" sz="5400" dirty="0" smtClean="0">
-                <a:solidFill>
-                  <a:schemeClr val="bg1"/>
-                </a:solidFill>
-                <a:latin typeface="Avenir Light" charset="0"/>
-                <a:ea typeface="Avenir Light" charset="0"/>
-                <a:cs typeface="Avenir Light" charset="0"/>
-              </a:rPr>
-              <a:t>THE REQUIREMENTS</a:t>
-            </a:r>
-          </a:p>
-          <a:p>
-            <a:pPr algn="just">
-              <a:lnSpc>
-                <a:spcPct val="150000"/>
-              </a:lnSpc>
-            </a:pPr>
-            <a:r>
               <a:rPr lang="en-US" sz="4000" dirty="0" smtClean="0">
                 <a:solidFill>
-                  <a:schemeClr val="bg1"/>
+                  <a:sysClr val="windowText" lastClr="000000"/>
                 </a:solidFill>
                 <a:latin typeface="Avenir Light" charset="0"/>
                 <a:ea typeface="Avenir Light" charset="0"/>
@@ -3350,7 +3481,7 @@
             <a:r>
               <a:rPr lang="en-US" sz="4000" b="1" dirty="0" smtClean="0">
                 <a:solidFill>
-                  <a:schemeClr val="bg1"/>
+                  <a:sysClr val="windowText" lastClr="000000"/>
                 </a:solidFill>
                 <a:latin typeface="Avenir Heavy" charset="0"/>
                 <a:ea typeface="Avenir Heavy" charset="0"/>
@@ -3361,7 +3492,7 @@
             <a:r>
               <a:rPr lang="en-US" sz="4000" dirty="0" smtClean="0">
                 <a:solidFill>
-                  <a:schemeClr val="bg1"/>
+                  <a:sysClr val="windowText" lastClr="000000"/>
                 </a:solidFill>
                 <a:latin typeface="Avenir Light" charset="0"/>
                 <a:ea typeface="Avenir Light" charset="0"/>
@@ -3380,7 +3511,7 @@
             <a:r>
               <a:rPr lang="en-US" sz="4000" dirty="0" smtClean="0">
                 <a:solidFill>
-                  <a:schemeClr val="bg1"/>
+                  <a:sysClr val="windowText" lastClr="000000"/>
                 </a:solidFill>
                 <a:latin typeface="Avenir Light" charset="0"/>
                 <a:ea typeface="Avenir Light" charset="0"/>
@@ -3391,7 +3522,7 @@
             <a:r>
               <a:rPr lang="en-US" sz="4000" b="1" dirty="0" smtClean="0">
                 <a:solidFill>
-                  <a:schemeClr val="bg1"/>
+                  <a:sysClr val="windowText" lastClr="000000"/>
                 </a:solidFill>
                 <a:latin typeface="Avenir Light" charset="0"/>
                 <a:ea typeface="Avenir Light" charset="0"/>
@@ -3402,7 +3533,7 @@
             <a:r>
               <a:rPr lang="en-US" sz="4000" b="1" dirty="0" smtClean="0">
                 <a:solidFill>
-                  <a:schemeClr val="bg1"/>
+                  <a:sysClr val="windowText" lastClr="000000"/>
                 </a:solidFill>
                 <a:latin typeface="Avenir Heavy" charset="0"/>
                 <a:ea typeface="Avenir Heavy" charset="0"/>
@@ -3421,7 +3552,7 @@
             <a:r>
               <a:rPr lang="en-US" sz="4000" b="1" dirty="0" smtClean="0">
                 <a:solidFill>
-                  <a:schemeClr val="bg1"/>
+                  <a:sysClr val="windowText" lastClr="000000"/>
                 </a:solidFill>
                 <a:latin typeface="Avenir Heavy" charset="0"/>
                 <a:ea typeface="Avenir Heavy" charset="0"/>
@@ -3432,7 +3563,7 @@
             <a:r>
               <a:rPr lang="en-US" sz="4000" dirty="0" smtClean="0">
                 <a:solidFill>
-                  <a:schemeClr val="bg1"/>
+                  <a:sysClr val="windowText" lastClr="000000"/>
                 </a:solidFill>
                 <a:latin typeface="Avenir Light" charset="0"/>
                 <a:ea typeface="Avenir Light" charset="0"/>
@@ -3449,7 +3580,7 @@
             </a:pPr>
             <a:endParaRPr lang="en-US" sz="5400" dirty="0">
               <a:solidFill>
-                <a:schemeClr val="bg1"/>
+                <a:sysClr val="windowText" lastClr="000000"/>
               </a:solidFill>
               <a:latin typeface="Avenir Light" charset="0"/>
               <a:ea typeface="Avenir Light" charset="0"/>
@@ -3466,18 +3597,29 @@
         </p:nvSpPr>
         <p:spPr>
           <a:xfrm>
-            <a:off x="0" y="14761030"/>
-            <a:ext cx="17068800" cy="12511117"/>
+            <a:off x="0" y="15553510"/>
+            <a:ext cx="15849600" cy="12511117"/>
           </a:xfrm>
           <a:prstGeom prst="rect">
             <a:avLst/>
           </a:prstGeom>
-          <a:solidFill>
-            <a:schemeClr val="accent3">
-              <a:lumMod val="75000"/>
-            </a:schemeClr>
-          </a:solidFill>
+          <a:noFill/>
+          <a:ln w="76200"/>
         </p:spPr>
+        <p:style>
+          <a:lnRef idx="2">
+            <a:schemeClr val="accent1"/>
+          </a:lnRef>
+          <a:fillRef idx="1">
+            <a:schemeClr val="lt1"/>
+          </a:fillRef>
+          <a:effectRef idx="0">
+            <a:schemeClr val="accent1"/>
+          </a:effectRef>
+          <a:fontRef idx="minor">
+            <a:schemeClr val="dk1"/>
+          </a:fontRef>
+        </p:style>
         <p:txBody>
           <a:bodyPr wrap="square" lIns="360000" rIns="360000" rtlCol="0">
             <a:spAutoFit/>
@@ -3490,9 +3632,11 @@
               </a:lnSpc>
             </a:pPr>
             <a:r>
-              <a:rPr lang="en-US" sz="5400" dirty="0" smtClean="0">
-                <a:solidFill>
-                  <a:schemeClr val="bg1"/>
+              <a:rPr lang="en-US" sz="5400" b="1" dirty="0">
+                <a:solidFill>
+                  <a:schemeClr val="accent5">
+                    <a:lumMod val="50000"/>
+                  </a:schemeClr>
                 </a:solidFill>
                 <a:latin typeface="Avenir Light" charset="0"/>
                 <a:ea typeface="Avenir Light" charset="0"/>
@@ -3500,9 +3644,11 @@
               </a:rPr>
               <a:t>TECHNICAL CHALLANGES</a:t>
             </a:r>
-            <a:endParaRPr lang="en-US" sz="5400" dirty="0">
+            <a:endParaRPr lang="en-US" sz="5400" b="1" dirty="0">
               <a:solidFill>
-                <a:schemeClr val="bg1"/>
+                <a:schemeClr val="accent5">
+                  <a:lumMod val="50000"/>
+                </a:schemeClr>
               </a:solidFill>
               <a:latin typeface="Avenir Light" charset="0"/>
               <a:ea typeface="Avenir Light" charset="0"/>
@@ -3518,14 +3664,33 @@
             <a:r>
               <a:rPr lang="en-US" sz="4400" i="1" dirty="0" smtClean="0">
                 <a:solidFill>
-                  <a:schemeClr val="bg1"/>
+                  <a:sysClr val="windowText" lastClr="000000"/>
                 </a:solidFill>
                 <a:latin typeface="Avenir Light" charset="0"/>
                 <a:ea typeface="Avenir Light" charset="0"/>
                 <a:cs typeface="Avenir Light" charset="0"/>
               </a:rPr>
-              <a:t>Maximizing Frames per Second to allow Live play</a:t>
-            </a:r>
+              <a:t>Maximizing Frames per Second to allow Live </a:t>
+            </a:r>
+            <a:r>
+              <a:rPr lang="en-US" sz="4400" i="1" dirty="0" smtClean="0">
+                <a:solidFill>
+                  <a:sysClr val="windowText" lastClr="000000"/>
+                </a:solidFill>
+                <a:latin typeface="Avenir Light" charset="0"/>
+                <a:ea typeface="Avenir Light" charset="0"/>
+                <a:cs typeface="Avenir Light" charset="0"/>
+              </a:rPr>
+              <a:t>play.</a:t>
+            </a:r>
+            <a:endParaRPr lang="en-US" sz="4400" i="1" dirty="0" smtClean="0">
+              <a:solidFill>
+                <a:sysClr val="windowText" lastClr="000000"/>
+              </a:solidFill>
+              <a:latin typeface="Avenir Light" charset="0"/>
+              <a:ea typeface="Avenir Light" charset="0"/>
+              <a:cs typeface="Avenir Light" charset="0"/>
+            </a:endParaRPr>
           </a:p>
           <a:p>
             <a:pPr>
@@ -3536,7 +3701,7 @@
             <a:r>
               <a:rPr lang="en-US" sz="4000" dirty="0" smtClean="0">
                 <a:solidFill>
-                  <a:schemeClr val="bg1"/>
+                  <a:sysClr val="windowText" lastClr="000000"/>
                 </a:solidFill>
                 <a:latin typeface="Avenir Light" charset="0"/>
                 <a:ea typeface="Avenir Light" charset="0"/>
@@ -3556,7 +3721,7 @@
             <a:r>
               <a:rPr lang="en-US" sz="4000" dirty="0" smtClean="0">
                 <a:solidFill>
-                  <a:schemeClr val="bg1"/>
+                  <a:sysClr val="windowText" lastClr="000000"/>
                 </a:solidFill>
                 <a:latin typeface="Avenir Light" charset="0"/>
                 <a:ea typeface="Avenir Light" charset="0"/>
@@ -3567,7 +3732,7 @@
             <a:r>
               <a:rPr lang="mr-IN" sz="4000" dirty="0" smtClean="0">
                 <a:solidFill>
-                  <a:schemeClr val="bg1"/>
+                  <a:sysClr val="windowText" lastClr="000000"/>
                 </a:solidFill>
                 <a:latin typeface="Avenir Light" charset="0"/>
                 <a:ea typeface="Avenir Light" charset="0"/>
@@ -3578,28 +3743,50 @@
             <a:r>
               <a:rPr lang="en-US" sz="4000" dirty="0" smtClean="0">
                 <a:solidFill>
-                  <a:schemeClr val="bg1"/>
+                  <a:sysClr val="windowText" lastClr="000000"/>
                 </a:solidFill>
                 <a:latin typeface="Avenir Light" charset="0"/>
                 <a:ea typeface="Avenir Light" charset="0"/>
                 <a:cs typeface="Avenir Light" charset="0"/>
               </a:rPr>
-              <a:t> the process of projecting the images into a common image plane so that the shift, or </a:t>
+              <a:t> the process of projecting the images into a common image plane so that the </a:t>
             </a:r>
             <a:r>
               <a:rPr lang="en-US" sz="4000" dirty="0" smtClean="0">
                 <a:solidFill>
-                  <a:schemeClr val="bg1"/>
+                  <a:sysClr val="windowText" lastClr="000000"/>
                 </a:solidFill>
                 <a:latin typeface="Avenir Light" charset="0"/>
                 <a:ea typeface="Avenir Light" charset="0"/>
                 <a:cs typeface="Avenir Light" charset="0"/>
               </a:rPr>
-              <a:t>disparity, could be detected and the distance could be estimated.</a:t>
+              <a:t>shift can be </a:t>
+            </a:r>
+            <a:r>
+              <a:rPr lang="en-US" sz="4000" dirty="0">
+                <a:solidFill>
+                  <a:sysClr val="windowText" lastClr="000000"/>
+                </a:solidFill>
+                <a:latin typeface="Avenir Light" charset="0"/>
+                <a:ea typeface="Avenir Light" charset="0"/>
+                <a:cs typeface="Avenir Light" charset="0"/>
+              </a:rPr>
+              <a:t>m</a:t>
+            </a:r>
+            <a:r>
+              <a:rPr lang="en-US" sz="4000" dirty="0" smtClean="0">
+                <a:solidFill>
+                  <a:sysClr val="windowText" lastClr="000000"/>
+                </a:solidFill>
+                <a:latin typeface="Avenir Light" charset="0"/>
+                <a:ea typeface="Avenir Light" charset="0"/>
+                <a:cs typeface="Avenir Light" charset="0"/>
+              </a:rPr>
+              <a:t>easured.</a:t>
             </a:r>
             <a:endParaRPr lang="en-US" sz="4000" dirty="0" smtClean="0">
               <a:solidFill>
-                <a:schemeClr val="bg1"/>
+                <a:sysClr val="windowText" lastClr="000000"/>
               </a:solidFill>
               <a:latin typeface="Avenir Light" charset="0"/>
               <a:ea typeface="Avenir Light" charset="0"/>
@@ -3617,35 +3804,13 @@
             <a:r>
               <a:rPr lang="en-US" sz="4000" dirty="0" smtClean="0">
                 <a:solidFill>
-                  <a:schemeClr val="bg1"/>
+                  <a:sysClr val="windowText" lastClr="000000"/>
                 </a:solidFill>
                 <a:latin typeface="Avenir Light" charset="0"/>
                 <a:ea typeface="Avenir Light" charset="0"/>
                 <a:cs typeface="Avenir Light" charset="0"/>
               </a:rPr>
-              <a:t>Conversion </a:t>
-            </a:r>
-            <a:r>
-              <a:rPr lang="en-US" sz="4000" dirty="0" smtClean="0">
-                <a:solidFill>
-                  <a:schemeClr val="bg1"/>
-                </a:solidFill>
-                <a:latin typeface="Avenir Light" charset="0"/>
-                <a:ea typeface="Avenir Light" charset="0"/>
-                <a:cs typeface="Avenir Light" charset="0"/>
-              </a:rPr>
-              <a:t>of the RGB acquired image pairs </a:t>
-            </a:r>
-            <a:r>
-              <a:rPr lang="en-US" sz="4000" dirty="0" smtClean="0">
-                <a:solidFill>
-                  <a:schemeClr val="bg1"/>
-                </a:solidFill>
-                <a:latin typeface="Avenir Light" charset="0"/>
-                <a:ea typeface="Avenir Light" charset="0"/>
-                <a:cs typeface="Avenir Light" charset="0"/>
-              </a:rPr>
-              <a:t>to a chosen color-space in which the sticks tip are easily detected.</a:t>
+              <a:t>Conversion of the RGB acquired image pairs to a chosen color-space in which the sticks tip are easily detected.</a:t>
             </a:r>
           </a:p>
           <a:p>
@@ -3659,7 +3824,7 @@
             <a:r>
               <a:rPr lang="en-US" sz="4000" dirty="0" smtClean="0">
                 <a:solidFill>
-                  <a:schemeClr val="bg1"/>
+                  <a:sysClr val="windowText" lastClr="000000"/>
                 </a:solidFill>
                 <a:latin typeface="Avenir Light" charset="0"/>
                 <a:ea typeface="Avenir Light" charset="0"/>
@@ -3670,7 +3835,7 @@
             <a:r>
               <a:rPr lang="mr-IN" sz="4000" dirty="0" smtClean="0">
                 <a:solidFill>
-                  <a:schemeClr val="bg1"/>
+                  <a:sysClr val="windowText" lastClr="000000"/>
                 </a:solidFill>
                 <a:latin typeface="Avenir Light" charset="0"/>
                 <a:ea typeface="Avenir Light" charset="0"/>
@@ -3681,7 +3846,7 @@
             <a:r>
               <a:rPr lang="en-US" sz="4000" dirty="0" smtClean="0">
                 <a:solidFill>
-                  <a:schemeClr val="bg1"/>
+                  <a:sysClr val="windowText" lastClr="000000"/>
                 </a:solidFill>
                 <a:latin typeface="Avenir Light" charset="0"/>
                 <a:ea typeface="Avenir Light" charset="0"/>
@@ -3689,14 +3854,6 @@
               </a:rPr>
               <a:t> Image acquisition rate constrained by the cameras, and image processing rate constrained by the computer and chosen implementation.</a:t>
             </a:r>
-            <a:endParaRPr lang="en-US" sz="4000" dirty="0" smtClean="0">
-              <a:solidFill>
-                <a:schemeClr val="bg1"/>
-              </a:solidFill>
-              <a:latin typeface="Avenir Light" charset="0"/>
-              <a:ea typeface="Avenir Light" charset="0"/>
-              <a:cs typeface="Avenir Light" charset="0"/>
-            </a:endParaRPr>
           </a:p>
           <a:p>
             <a:pPr marL="914400" indent="-914400">
@@ -3708,7 +3865,7 @@
             </a:pPr>
             <a:endParaRPr lang="en-US" sz="4000" dirty="0" smtClean="0">
               <a:solidFill>
-                <a:schemeClr val="bg1"/>
+                <a:sysClr val="windowText" lastClr="000000"/>
               </a:solidFill>
               <a:latin typeface="Avenir Light" charset="0"/>
               <a:ea typeface="Avenir Light" charset="0"/>
@@ -3725,21 +3882,54 @@
         </p:nvSpPr>
         <p:spPr>
           <a:xfrm>
-            <a:off x="17068800" y="14761030"/>
-            <a:ext cx="15330488" cy="12511117"/>
+            <a:off x="15849600" y="15553510"/>
+            <a:ext cx="16549688" cy="12511117"/>
           </a:xfrm>
           <a:prstGeom prst="rect">
             <a:avLst/>
           </a:prstGeom>
-          <a:solidFill>
-            <a:srgbClr val="00B0F0"/>
-          </a:solidFill>
+          <a:noFill/>
+          <a:ln w="76200"/>
         </p:spPr>
+        <p:style>
+          <a:lnRef idx="2">
+            <a:schemeClr val="accent1"/>
+          </a:lnRef>
+          <a:fillRef idx="1">
+            <a:schemeClr val="lt1"/>
+          </a:fillRef>
+          <a:effectRef idx="0">
+            <a:schemeClr val="accent1"/>
+          </a:effectRef>
+          <a:fontRef idx="minor">
+            <a:schemeClr val="dk1"/>
+          </a:fontRef>
+        </p:style>
         <p:txBody>
           <a:bodyPr lIns="360000" rIns="360000">
             <a:noAutofit/>
           </a:bodyPr>
           <a:lstStyle/>
+          <a:p>
+            <a:pPr>
+              <a:lnSpc>
+                <a:spcPct val="150000"/>
+              </a:lnSpc>
+            </a:pPr>
+            <a:r>
+              <a:rPr lang="en-US" sz="5400" b="1" dirty="0">
+                <a:solidFill>
+                  <a:schemeClr val="accent5">
+                    <a:lumMod val="50000"/>
+                  </a:schemeClr>
+                </a:solidFill>
+                <a:latin typeface="Avenir Light" charset="0"/>
+                <a:ea typeface="Avenir Light" charset="0"/>
+                <a:cs typeface="Avenir Light" charset="0"/>
+              </a:rPr>
+              <a:t>SOLUTIONS</a:t>
+            </a:r>
+          </a:p>
           <a:p>
             <a:pPr algn="just">
               <a:lnSpc>
@@ -3747,27 +3937,9 @@
               </a:lnSpc>
             </a:pPr>
             <a:r>
-              <a:rPr lang="en-US" sz="5400" dirty="0" smtClean="0">
-                <a:solidFill>
-                  <a:schemeClr val="bg1"/>
-                </a:solidFill>
-                <a:latin typeface="Avenir Light" charset="0"/>
-                <a:ea typeface="Avenir Light" charset="0"/>
-                <a:cs typeface="Avenir Light" charset="0"/>
-              </a:rPr>
-              <a:t>SOLUTIONS</a:t>
-            </a:r>
-          </a:p>
-          <a:p>
-            <a:pPr algn="just">
-              <a:lnSpc>
-                <a:spcPct val="150000"/>
-              </a:lnSpc>
-            </a:pPr>
-            <a:r>
               <a:rPr lang="en-US" sz="4000" dirty="0" smtClean="0">
                 <a:solidFill>
-                  <a:schemeClr val="bg1"/>
+                  <a:sysClr val="windowText" lastClr="000000"/>
                 </a:solidFill>
                 <a:latin typeface="Avenir Light" charset="0"/>
                 <a:ea typeface="Avenir Light" charset="0"/>
@@ -3786,7 +3958,7 @@
             <a:r>
               <a:rPr lang="en-US" sz="4000" dirty="0" smtClean="0">
                 <a:solidFill>
-                  <a:schemeClr val="bg1"/>
+                  <a:sysClr val="windowText" lastClr="000000"/>
                 </a:solidFill>
                 <a:latin typeface="Avenir Light" charset="0"/>
                 <a:ea typeface="Avenir Light" charset="0"/>
@@ -3797,7 +3969,7 @@
             <a:r>
               <a:rPr lang="en-US" sz="4000" b="1" dirty="0" smtClean="0">
                 <a:solidFill>
-                  <a:schemeClr val="bg1"/>
+                  <a:sysClr val="windowText" lastClr="000000"/>
                 </a:solidFill>
                 <a:latin typeface="Avenir Heavy" charset="0"/>
                 <a:ea typeface="Avenir Heavy" charset="0"/>
@@ -3808,7 +3980,7 @@
             <a:r>
               <a:rPr lang="en-US" sz="4000" dirty="0" smtClean="0">
                 <a:solidFill>
-                  <a:schemeClr val="bg1"/>
+                  <a:sysClr val="windowText" lastClr="000000"/>
                 </a:solidFill>
                 <a:latin typeface="Avenir Heavy" charset="0"/>
                 <a:ea typeface="Avenir Heavy" charset="0"/>
@@ -3819,7 +3991,7 @@
             <a:r>
               <a:rPr lang="en-US" sz="4000" dirty="0" smtClean="0">
                 <a:solidFill>
-                  <a:schemeClr val="bg1"/>
+                  <a:sysClr val="windowText" lastClr="000000"/>
                 </a:solidFill>
                 <a:latin typeface="Avenir Light" charset="0"/>
                 <a:ea typeface="Avenir Light" charset="0"/>
@@ -3838,55 +4010,33 @@
             <a:r>
               <a:rPr lang="en-US" sz="4000" dirty="0" smtClean="0">
                 <a:solidFill>
-                  <a:schemeClr val="bg1"/>
+                  <a:sysClr val="windowText" lastClr="000000"/>
                 </a:solidFill>
                 <a:latin typeface="Avenir Light" charset="0"/>
                 <a:ea typeface="Avenir Light" charset="0"/>
                 <a:cs typeface="Avenir Light" charset="0"/>
               </a:rPr>
-              <a:t>The choice of color space used for detection takes into account the computational complexity of the conversion.</a:t>
-            </a:r>
-          </a:p>
-          <a:p>
-            <a:pPr marL="914400" indent="-914400" algn="just">
-              <a:lnSpc>
-                <a:spcPct val="150000"/>
-              </a:lnSpc>
-              <a:buAutoNum type="arabicPeriod"/>
-            </a:pPr>
+              <a:t>The choice of color space used for detection takes into account the computational complexity of the conversion</a:t>
+            </a:r>
             <a:r>
               <a:rPr lang="en-US" sz="4000" dirty="0" smtClean="0">
                 <a:solidFill>
-                  <a:schemeClr val="bg1"/>
+                  <a:sysClr val="windowText" lastClr="000000"/>
                 </a:solidFill>
                 <a:latin typeface="Avenir Light" charset="0"/>
                 <a:ea typeface="Avenir Light" charset="0"/>
                 <a:cs typeface="Avenir Light" charset="0"/>
               </a:rPr>
-              <a:t>Although most of the implementation was done in the MATLAB prototyping language, the program makes use of pre-compiled modules from the </a:t>
-            </a:r>
-            <a:r>
-              <a:rPr lang="en-US" sz="4000" dirty="0" err="1" smtClean="0">
-                <a:solidFill>
-                  <a:schemeClr val="bg1"/>
-                </a:solidFill>
-                <a:latin typeface="Avenir Light" charset="0"/>
-                <a:ea typeface="Avenir Light" charset="0"/>
-                <a:cs typeface="Avenir Light" charset="0"/>
-              </a:rPr>
-              <a:t>OpenCV</a:t>
-            </a:r>
-            <a:r>
-              <a:rPr lang="en-US" sz="4000" dirty="0" smtClean="0">
-                <a:solidFill>
-                  <a:schemeClr val="bg1"/>
-                </a:solidFill>
-                <a:latin typeface="Avenir Light" charset="0"/>
-                <a:ea typeface="Avenir Light" charset="0"/>
-                <a:cs typeface="Avenir Light" charset="0"/>
-              </a:rPr>
-              <a:t> libraries.</a:t>
-            </a:r>
+              <a:t>.</a:t>
+            </a:r>
+            <a:endParaRPr lang="en-US" sz="4000" dirty="0" smtClean="0">
+              <a:solidFill>
+                <a:sysClr val="windowText" lastClr="000000"/>
+              </a:solidFill>
+              <a:latin typeface="Avenir Light" charset="0"/>
+              <a:ea typeface="Avenir Light" charset="0"/>
+              <a:cs typeface="Avenir Light" charset="0"/>
+            </a:endParaRPr>
           </a:p>
           <a:p>
             <a:pPr algn="just">
@@ -3896,7 +4046,7 @@
             </a:pPr>
             <a:endParaRPr lang="en-US" sz="4000" dirty="0" smtClean="0">
               <a:solidFill>
-                <a:schemeClr val="bg1"/>
+                <a:sysClr val="windowText" lastClr="000000"/>
               </a:solidFill>
               <a:latin typeface="Avenir Light" charset="0"/>
               <a:ea typeface="Avenir Light" charset="0"/>
@@ -3909,9 +4059,53 @@
                 <a:spcPct val="150000"/>
               </a:lnSpc>
             </a:pPr>
+            <a:r>
+              <a:rPr lang="en-US" sz="4000" dirty="0" smtClean="0">
+                <a:solidFill>
+                  <a:sysClr val="windowText" lastClr="000000"/>
+                </a:solidFill>
+                <a:latin typeface="Avenir Light" charset="0"/>
+                <a:ea typeface="Avenir Light" charset="0"/>
+                <a:cs typeface="Avenir Light" charset="0"/>
+              </a:rPr>
+              <a:t>* YC</a:t>
+            </a:r>
+            <a:r>
+              <a:rPr lang="en-US" sz="4000" baseline="-25000" dirty="0" smtClean="0">
+                <a:solidFill>
+                  <a:sysClr val="windowText" lastClr="000000"/>
+                </a:solidFill>
+                <a:latin typeface="Avenir Light" charset="0"/>
+                <a:ea typeface="Avenir Light" charset="0"/>
+                <a:cs typeface="Avenir Light" charset="0"/>
+              </a:rPr>
+              <a:t>B</a:t>
+            </a:r>
+            <a:r>
+              <a:rPr lang="en-US" sz="4000" dirty="0" smtClean="0">
+                <a:solidFill>
+                  <a:sysClr val="windowText" lastClr="000000"/>
+                </a:solidFill>
+                <a:latin typeface="Avenir Light" charset="0"/>
+                <a:ea typeface="Avenir Light" charset="0"/>
+                <a:cs typeface="Avenir Light" charset="0"/>
+              </a:rPr>
+              <a:t>C</a:t>
+            </a:r>
+            <a:r>
+              <a:rPr lang="en-US" sz="4000" baseline="-25000" dirty="0" smtClean="0">
+                <a:solidFill>
+                  <a:sysClr val="windowText" lastClr="000000"/>
+                </a:solidFill>
+                <a:latin typeface="Avenir Light" charset="0"/>
+                <a:ea typeface="Avenir Light" charset="0"/>
+                <a:cs typeface="Avenir Light" charset="0"/>
+              </a:rPr>
+              <a:t>R</a:t>
+            </a:r>
             <a:endParaRPr lang="en-US" sz="4000" dirty="0">
               <a:solidFill>
-                <a:schemeClr val="bg1"/>
+                <a:sysClr val="windowText" lastClr="000000"/>
               </a:solidFill>
               <a:latin typeface="Avenir Light" charset="0"/>
               <a:ea typeface="Avenir Light" charset="0"/>
@@ -3928,7 +4122,7 @@
         </p:nvSpPr>
         <p:spPr>
           <a:xfrm>
-            <a:off x="6606792" y="30327600"/>
+            <a:off x="6280220" y="28486365"/>
             <a:ext cx="20924016" cy="1877437"/>
           </a:xfrm>
           <a:prstGeom prst="rect">
@@ -3944,9 +4138,9 @@
           <a:p>
             <a:pPr algn="ctr"/>
             <a:r>
-              <a:rPr lang="en-US" sz="11600" dirty="0" smtClean="0">
-                <a:solidFill>
-                  <a:schemeClr val="accent1">
+              <a:rPr lang="en-US" sz="11600" b="1" dirty="0" smtClean="0">
+                <a:solidFill>
+                  <a:schemeClr val="accent5">
                     <a:lumMod val="50000"/>
                   </a:schemeClr>
                 </a:solidFill>
@@ -3956,9 +4150,9 @@
               </a:rPr>
               <a:t>The System</a:t>
             </a:r>
-            <a:endParaRPr lang="en-US" sz="6000" dirty="0">
+            <a:endParaRPr lang="en-US" sz="6000" b="1" dirty="0">
               <a:solidFill>
-                <a:schemeClr val="accent1">
+                <a:schemeClr val="accent5">
                   <a:lumMod val="50000"/>
                 </a:schemeClr>
               </a:solidFill>
@@ -3987,6 +4181,30 @@
           <a:xfrm>
             <a:off x="20526510" y="0"/>
             <a:ext cx="11872777" cy="2307771"/>
+          </a:xfrm>
+          <a:prstGeom prst="rect">
+            <a:avLst/>
+          </a:prstGeom>
+        </p:spPr>
+      </p:pic>
+      <p:pic>
+        <p:nvPicPr>
+          <p:cNvPr id="2" name="Picture 1"/>
+          <p:cNvPicPr>
+            <a:picLocks noChangeAspect="1"/>
+          </p:cNvPicPr>
+          <p:nvPr/>
+        </p:nvPicPr>
+        <p:blipFill>
+          <a:blip r:embed="rId3"/>
+          <a:stretch>
+            <a:fillRect/>
+          </a:stretch>
+        </p:blipFill>
+        <p:spPr>
+          <a:xfrm>
+            <a:off x="701537" y="30363802"/>
+            <a:ext cx="30773426" cy="7659761"/>
           </a:xfrm>
           <a:prstGeom prst="rect">
             <a:avLst/>

--- a/IMVC_Poster.pptx
+++ b/IMVC_Poster.pptx
@@ -4,6 +4,9 @@
   <p:sldMasterIdLst>
     <p:sldMasterId id="2147483684" r:id="rId1"/>
   </p:sldMasterIdLst>
+  <p:notesMasterIdLst>
+    <p:notesMasterId r:id="rId3"/>
+  </p:notesMasterIdLst>
   <p:sldIdLst>
     <p:sldId id="256" r:id="rId2"/>
   </p:sldIdLst>
@@ -110,6 +113,440 @@
     </p:ext>
   </p:extLst>
 </p:presentation>
+</file>
+
+<file path=ppt/notesMasters/notesMaster1.xml><?xml version="1.0" encoding="utf-8"?>
+<p:notesMaster xmlns:a="http://schemas.openxmlformats.org/drawingml/2006/main" xmlns:r="http://schemas.openxmlformats.org/officeDocument/2006/relationships" xmlns:p="http://schemas.openxmlformats.org/presentationml/2006/main">
+  <p:cSld>
+    <p:bg>
+      <p:bgRef idx="1001">
+        <a:schemeClr val="bg1"/>
+      </p:bgRef>
+    </p:bg>
+    <p:spTree>
+      <p:nvGrpSpPr>
+        <p:cNvPr id="1" name=""/>
+        <p:cNvGrpSpPr/>
+        <p:nvPr/>
+      </p:nvGrpSpPr>
+      <p:grpSpPr>
+        <a:xfrm>
+          <a:off x="0" y="0"/>
+          <a:ext cx="0" cy="0"/>
+          <a:chOff x="0" y="0"/>
+          <a:chExt cx="0" cy="0"/>
+        </a:xfrm>
+      </p:grpSpPr>
+      <p:sp>
+        <p:nvSpPr>
+          <p:cNvPr id="2" name="Header Placeholder 1"/>
+          <p:cNvSpPr>
+            <a:spLocks noGrp="1"/>
+          </p:cNvSpPr>
+          <p:nvPr>
+            <p:ph type="hdr" sz="quarter"/>
+          </p:nvPr>
+        </p:nvSpPr>
+        <p:spPr>
+          <a:xfrm>
+            <a:off x="0" y="0"/>
+            <a:ext cx="2971800" cy="458788"/>
+          </a:xfrm>
+          <a:prstGeom prst="rect">
+            <a:avLst/>
+          </a:prstGeom>
+        </p:spPr>
+        <p:txBody>
+          <a:bodyPr vert="horz" lIns="91440" tIns="45720" rIns="91440" bIns="45720" rtlCol="0"/>
+          <a:lstStyle>
+            <a:lvl1pPr algn="l">
+              <a:defRPr sz="1200"/>
+            </a:lvl1pPr>
+          </a:lstStyle>
+          <a:p>
+            <a:endParaRPr lang="en-US"/>
+          </a:p>
+        </p:txBody>
+      </p:sp>
+      <p:sp>
+        <p:nvSpPr>
+          <p:cNvPr id="3" name="Date Placeholder 2"/>
+          <p:cNvSpPr>
+            <a:spLocks noGrp="1"/>
+          </p:cNvSpPr>
+          <p:nvPr>
+            <p:ph type="dt" idx="1"/>
+          </p:nvPr>
+        </p:nvSpPr>
+        <p:spPr>
+          <a:xfrm>
+            <a:off x="3884613" y="0"/>
+            <a:ext cx="2971800" cy="458788"/>
+          </a:xfrm>
+          <a:prstGeom prst="rect">
+            <a:avLst/>
+          </a:prstGeom>
+        </p:spPr>
+        <p:txBody>
+          <a:bodyPr vert="horz" lIns="91440" tIns="45720" rIns="91440" bIns="45720" rtlCol="0"/>
+          <a:lstStyle>
+            <a:lvl1pPr algn="r">
+              <a:defRPr sz="1200"/>
+            </a:lvl1pPr>
+          </a:lstStyle>
+          <a:p>
+            <a:fld id="{BADA4014-A574-7C44-A4B2-34D4B6F30BA8}" type="datetimeFigureOut">
+              <a:rPr lang="en-US" smtClean="0"/>
+              <a:t>3/5/18</a:t>
+            </a:fld>
+            <a:endParaRPr lang="en-US"/>
+          </a:p>
+        </p:txBody>
+      </p:sp>
+      <p:sp>
+        <p:nvSpPr>
+          <p:cNvPr id="4" name="Slide Image Placeholder 3"/>
+          <p:cNvSpPr>
+            <a:spLocks noGrp="1" noRot="1" noChangeAspect="1"/>
+          </p:cNvSpPr>
+          <p:nvPr>
+            <p:ph type="sldImg" idx="2"/>
+          </p:nvPr>
+        </p:nvSpPr>
+        <p:spPr>
+          <a:xfrm>
+            <a:off x="2271713" y="1143000"/>
+            <a:ext cx="2314575" cy="3086100"/>
+          </a:xfrm>
+          <a:prstGeom prst="rect">
+            <a:avLst/>
+          </a:prstGeom>
+          <a:noFill/>
+          <a:ln w="12700">
+            <a:solidFill>
+              <a:prstClr val="black"/>
+            </a:solidFill>
+          </a:ln>
+        </p:spPr>
+        <p:txBody>
+          <a:bodyPr vert="horz" lIns="91440" tIns="45720" rIns="91440" bIns="45720" rtlCol="0" anchor="ctr"/>
+          <a:lstStyle/>
+          <a:p>
+            <a:endParaRPr lang="en-US"/>
+          </a:p>
+        </p:txBody>
+      </p:sp>
+      <p:sp>
+        <p:nvSpPr>
+          <p:cNvPr id="5" name="Notes Placeholder 4"/>
+          <p:cNvSpPr>
+            <a:spLocks noGrp="1"/>
+          </p:cNvSpPr>
+          <p:nvPr>
+            <p:ph type="body" sz="quarter" idx="3"/>
+          </p:nvPr>
+        </p:nvSpPr>
+        <p:spPr>
+          <a:xfrm>
+            <a:off x="685800" y="4400550"/>
+            <a:ext cx="5486400" cy="3600450"/>
+          </a:xfrm>
+          <a:prstGeom prst="rect">
+            <a:avLst/>
+          </a:prstGeom>
+        </p:spPr>
+        <p:txBody>
+          <a:bodyPr vert="horz" lIns="91440" tIns="45720" rIns="91440" bIns="45720" rtlCol="0"/>
+          <a:lstStyle/>
+          <a:p>
+            <a:pPr lvl="0"/>
+            <a:r>
+              <a:rPr lang="en-US" smtClean="0"/>
+              <a:t>Click to edit Master text styles</a:t>
+            </a:r>
+          </a:p>
+          <a:p>
+            <a:pPr lvl="1"/>
+            <a:r>
+              <a:rPr lang="en-US" smtClean="0"/>
+              <a:t>Second level</a:t>
+            </a:r>
+          </a:p>
+          <a:p>
+            <a:pPr lvl="2"/>
+            <a:r>
+              <a:rPr lang="en-US" smtClean="0"/>
+              <a:t>Third level</a:t>
+            </a:r>
+          </a:p>
+          <a:p>
+            <a:pPr lvl="3"/>
+            <a:r>
+              <a:rPr lang="en-US" smtClean="0"/>
+              <a:t>Fourth level</a:t>
+            </a:r>
+          </a:p>
+          <a:p>
+            <a:pPr lvl="4"/>
+            <a:r>
+              <a:rPr lang="en-US" smtClean="0"/>
+              <a:t>Fifth level</a:t>
+            </a:r>
+            <a:endParaRPr lang="en-US"/>
+          </a:p>
+        </p:txBody>
+      </p:sp>
+      <p:sp>
+        <p:nvSpPr>
+          <p:cNvPr id="6" name="Footer Placeholder 5"/>
+          <p:cNvSpPr>
+            <a:spLocks noGrp="1"/>
+          </p:cNvSpPr>
+          <p:nvPr>
+            <p:ph type="ftr" sz="quarter" idx="4"/>
+          </p:nvPr>
+        </p:nvSpPr>
+        <p:spPr>
+          <a:xfrm>
+            <a:off x="0" y="8685213"/>
+            <a:ext cx="2971800" cy="458787"/>
+          </a:xfrm>
+          <a:prstGeom prst="rect">
+            <a:avLst/>
+          </a:prstGeom>
+        </p:spPr>
+        <p:txBody>
+          <a:bodyPr vert="horz" lIns="91440" tIns="45720" rIns="91440" bIns="45720" rtlCol="0" anchor="b"/>
+          <a:lstStyle>
+            <a:lvl1pPr algn="l">
+              <a:defRPr sz="1200"/>
+            </a:lvl1pPr>
+          </a:lstStyle>
+          <a:p>
+            <a:endParaRPr lang="en-US"/>
+          </a:p>
+        </p:txBody>
+      </p:sp>
+      <p:sp>
+        <p:nvSpPr>
+          <p:cNvPr id="7" name="Slide Number Placeholder 6"/>
+          <p:cNvSpPr>
+            <a:spLocks noGrp="1"/>
+          </p:cNvSpPr>
+          <p:nvPr>
+            <p:ph type="sldNum" sz="quarter" idx="5"/>
+          </p:nvPr>
+        </p:nvSpPr>
+        <p:spPr>
+          <a:xfrm>
+            <a:off x="3884613" y="8685213"/>
+            <a:ext cx="2971800" cy="458787"/>
+          </a:xfrm>
+          <a:prstGeom prst="rect">
+            <a:avLst/>
+          </a:prstGeom>
+        </p:spPr>
+        <p:txBody>
+          <a:bodyPr vert="horz" lIns="91440" tIns="45720" rIns="91440" bIns="45720" rtlCol="0" anchor="b"/>
+          <a:lstStyle>
+            <a:lvl1pPr algn="r">
+              <a:defRPr sz="1200"/>
+            </a:lvl1pPr>
+          </a:lstStyle>
+          <a:p>
+            <a:fld id="{CFC6EA80-FA2C-2048-A03A-5ECC54D96F67}" type="slidenum">
+              <a:rPr lang="en-US" smtClean="0"/>
+              <a:t>‹#›</a:t>
+            </a:fld>
+            <a:endParaRPr lang="en-US"/>
+          </a:p>
+        </p:txBody>
+      </p:sp>
+    </p:spTree>
+    <p:extLst>
+      <p:ext uri="{BB962C8B-B14F-4D97-AF65-F5344CB8AC3E}">
+        <p14:creationId xmlns:p14="http://schemas.microsoft.com/office/powerpoint/2010/main" val="1710162114"/>
+      </p:ext>
+    </p:extLst>
+  </p:cSld>
+  <p:clrMap bg1="lt1" tx1="dk1" bg2="lt2" tx2="dk2" accent1="accent1" accent2="accent2" accent3="accent3" accent4="accent4" accent5="accent5" accent6="accent6" hlink="hlink" folHlink="folHlink"/>
+  <p:notesStyle>
+    <a:lvl1pPr marL="0" algn="l" defTabSz="914400" rtl="0" eaLnBrk="1" latinLnBrk="0" hangingPunct="1">
+      <a:defRPr sz="1200" kern="1200">
+        <a:solidFill>
+          <a:schemeClr val="tx1"/>
+        </a:solidFill>
+        <a:latin typeface="+mn-lt"/>
+        <a:ea typeface="+mn-ea"/>
+        <a:cs typeface="+mn-cs"/>
+      </a:defRPr>
+    </a:lvl1pPr>
+    <a:lvl2pPr marL="457200" algn="l" defTabSz="914400" rtl="0" eaLnBrk="1" latinLnBrk="0" hangingPunct="1">
+      <a:defRPr sz="1200" kern="1200">
+        <a:solidFill>
+          <a:schemeClr val="tx1"/>
+        </a:solidFill>
+        <a:latin typeface="+mn-lt"/>
+        <a:ea typeface="+mn-ea"/>
+        <a:cs typeface="+mn-cs"/>
+      </a:defRPr>
+    </a:lvl2pPr>
+    <a:lvl3pPr marL="914400" algn="l" defTabSz="914400" rtl="0" eaLnBrk="1" latinLnBrk="0" hangingPunct="1">
+      <a:defRPr sz="1200" kern="1200">
+        <a:solidFill>
+          <a:schemeClr val="tx1"/>
+        </a:solidFill>
+        <a:latin typeface="+mn-lt"/>
+        <a:ea typeface="+mn-ea"/>
+        <a:cs typeface="+mn-cs"/>
+      </a:defRPr>
+    </a:lvl3pPr>
+    <a:lvl4pPr marL="1371600" algn="l" defTabSz="914400" rtl="0" eaLnBrk="1" latinLnBrk="0" hangingPunct="1">
+      <a:defRPr sz="1200" kern="1200">
+        <a:solidFill>
+          <a:schemeClr val="tx1"/>
+        </a:solidFill>
+        <a:latin typeface="+mn-lt"/>
+        <a:ea typeface="+mn-ea"/>
+        <a:cs typeface="+mn-cs"/>
+      </a:defRPr>
+    </a:lvl4pPr>
+    <a:lvl5pPr marL="1828800" algn="l" defTabSz="914400" rtl="0" eaLnBrk="1" latinLnBrk="0" hangingPunct="1">
+      <a:defRPr sz="1200" kern="1200">
+        <a:solidFill>
+          <a:schemeClr val="tx1"/>
+        </a:solidFill>
+        <a:latin typeface="+mn-lt"/>
+        <a:ea typeface="+mn-ea"/>
+        <a:cs typeface="+mn-cs"/>
+      </a:defRPr>
+    </a:lvl5pPr>
+    <a:lvl6pPr marL="2286000" algn="l" defTabSz="914400" rtl="0" eaLnBrk="1" latinLnBrk="0" hangingPunct="1">
+      <a:defRPr sz="1200" kern="1200">
+        <a:solidFill>
+          <a:schemeClr val="tx1"/>
+        </a:solidFill>
+        <a:latin typeface="+mn-lt"/>
+        <a:ea typeface="+mn-ea"/>
+        <a:cs typeface="+mn-cs"/>
+      </a:defRPr>
+    </a:lvl6pPr>
+    <a:lvl7pPr marL="2743200" algn="l" defTabSz="914400" rtl="0" eaLnBrk="1" latinLnBrk="0" hangingPunct="1">
+      <a:defRPr sz="1200" kern="1200">
+        <a:solidFill>
+          <a:schemeClr val="tx1"/>
+        </a:solidFill>
+        <a:latin typeface="+mn-lt"/>
+        <a:ea typeface="+mn-ea"/>
+        <a:cs typeface="+mn-cs"/>
+      </a:defRPr>
+    </a:lvl7pPr>
+    <a:lvl8pPr marL="3200400" algn="l" defTabSz="914400" rtl="0" eaLnBrk="1" latinLnBrk="0" hangingPunct="1">
+      <a:defRPr sz="1200" kern="1200">
+        <a:solidFill>
+          <a:schemeClr val="tx1"/>
+        </a:solidFill>
+        <a:latin typeface="+mn-lt"/>
+        <a:ea typeface="+mn-ea"/>
+        <a:cs typeface="+mn-cs"/>
+      </a:defRPr>
+    </a:lvl8pPr>
+    <a:lvl9pPr marL="3657600" algn="l" defTabSz="914400" rtl="0" eaLnBrk="1" latinLnBrk="0" hangingPunct="1">
+      <a:defRPr sz="1200" kern="1200">
+        <a:solidFill>
+          <a:schemeClr val="tx1"/>
+        </a:solidFill>
+        <a:latin typeface="+mn-lt"/>
+        <a:ea typeface="+mn-ea"/>
+        <a:cs typeface="+mn-cs"/>
+      </a:defRPr>
+    </a:lvl9pPr>
+  </p:notesStyle>
+</p:notesMaster>
+</file>
+
+<file path=ppt/notesSlides/notesSlide1.xml><?xml version="1.0" encoding="utf-8"?>
+<p:notes xmlns:a="http://schemas.openxmlformats.org/drawingml/2006/main" xmlns:r="http://schemas.openxmlformats.org/officeDocument/2006/relationships" xmlns:p="http://schemas.openxmlformats.org/presentationml/2006/main">
+  <p:cSld>
+    <p:spTree>
+      <p:nvGrpSpPr>
+        <p:cNvPr id="1" name=""/>
+        <p:cNvGrpSpPr/>
+        <p:nvPr/>
+      </p:nvGrpSpPr>
+      <p:grpSpPr>
+        <a:xfrm>
+          <a:off x="0" y="0"/>
+          <a:ext cx="0" cy="0"/>
+          <a:chOff x="0" y="0"/>
+          <a:chExt cx="0" cy="0"/>
+        </a:xfrm>
+      </p:grpSpPr>
+      <p:sp>
+        <p:nvSpPr>
+          <p:cNvPr id="2" name="Slide Image Placeholder 1"/>
+          <p:cNvSpPr>
+            <a:spLocks noGrp="1" noRot="1" noChangeAspect="1"/>
+          </p:cNvSpPr>
+          <p:nvPr>
+            <p:ph type="sldImg"/>
+          </p:nvPr>
+        </p:nvSpPr>
+        <p:spPr/>
+      </p:sp>
+      <p:sp>
+        <p:nvSpPr>
+          <p:cNvPr id="3" name="Notes Placeholder 2"/>
+          <p:cNvSpPr>
+            <a:spLocks noGrp="1"/>
+          </p:cNvSpPr>
+          <p:nvPr>
+            <p:ph type="body" idx="1"/>
+          </p:nvPr>
+        </p:nvSpPr>
+        <p:spPr/>
+        <p:txBody>
+          <a:bodyPr/>
+          <a:lstStyle/>
+          <a:p>
+            <a:endParaRPr lang="en-US" dirty="0"/>
+          </a:p>
+        </p:txBody>
+      </p:sp>
+      <p:sp>
+        <p:nvSpPr>
+          <p:cNvPr id="4" name="Slide Number Placeholder 3"/>
+          <p:cNvSpPr>
+            <a:spLocks noGrp="1"/>
+          </p:cNvSpPr>
+          <p:nvPr>
+            <p:ph type="sldNum" sz="quarter" idx="10"/>
+          </p:nvPr>
+        </p:nvSpPr>
+        <p:spPr/>
+        <p:txBody>
+          <a:bodyPr/>
+          <a:lstStyle/>
+          <a:p>
+            <a:fld id="{CFC6EA80-FA2C-2048-A03A-5ECC54D96F67}" type="slidenum">
+              <a:rPr lang="en-US" smtClean="0"/>
+              <a:t>1</a:t>
+            </a:fld>
+            <a:endParaRPr lang="en-US"/>
+          </a:p>
+        </p:txBody>
+      </p:sp>
+    </p:spTree>
+    <p:extLst>
+      <p:ext uri="{BB962C8B-B14F-4D97-AF65-F5344CB8AC3E}">
+        <p14:creationId xmlns:p14="http://schemas.microsoft.com/office/powerpoint/2010/main" val="773518550"/>
+      </p:ext>
+    </p:extLst>
+  </p:cSld>
+  <p:clrMapOvr>
+    <a:masterClrMapping/>
+  </p:clrMapOvr>
+</p:notes>
 </file>
 
 <file path=ppt/slideLayouts/slideLayout1.xml><?xml version="1.0" encoding="utf-8"?>
@@ -3100,7 +3537,7 @@
           <a:p>
             <a:pPr algn="ctr"/>
             <a:r>
-              <a:rPr lang="en-US" sz="5400" dirty="0" err="1" smtClean="0">
+              <a:rPr lang="en-US" sz="5400" dirty="0" smtClean="0">
                 <a:solidFill>
                   <a:schemeClr val="accent5">
                     <a:lumMod val="50000"/>
@@ -3110,7 +3547,7 @@
                 <a:ea typeface="Avenir Book" charset="0"/>
                 <a:cs typeface="Avenir Book" charset="0"/>
               </a:rPr>
-              <a:t>Roi</a:t>
+              <a:t>Roy </a:t>
             </a:r>
             <a:r>
               <a:rPr lang="en-US" sz="5400" dirty="0" smtClean="0">
@@ -3123,7 +3560,7 @@
                 <a:ea typeface="Avenir Book" charset="0"/>
                 <a:cs typeface="Avenir Book" charset="0"/>
               </a:rPr>
-              <a:t> Hirsch, Ori </a:t>
+              <a:t>Hirsch, Ori </a:t>
             </a:r>
             <a:r>
               <a:rPr lang="en-US" sz="5400" dirty="0" err="1" smtClean="0">
@@ -4005,10 +4442,11 @@
               <a:lnSpc>
                 <a:spcPct val="150000"/>
               </a:lnSpc>
+              <a:buFontTx/>
               <a:buAutoNum type="arabicPeriod"/>
             </a:pPr>
             <a:r>
-              <a:rPr lang="en-US" sz="4000" dirty="0" smtClean="0">
+              <a:rPr lang="en-US" sz="4000" dirty="0">
                 <a:solidFill>
                   <a:sysClr val="windowText" lastClr="000000"/>
                 </a:solidFill>
@@ -4016,7 +4454,18 @@
                 <a:ea typeface="Avenir Light" charset="0"/>
                 <a:cs typeface="Avenir Light" charset="0"/>
               </a:rPr>
-              <a:t>The choice of color space used for detection takes into account the computational complexity of the conversion</a:t>
+              <a:t>Using the </a:t>
+            </a:r>
+            <a:r>
+              <a:rPr lang="en-US" sz="4000" b="1" dirty="0">
+                <a:solidFill>
+                  <a:sysClr val="windowText" lastClr="000000"/>
+                </a:solidFill>
+                <a:latin typeface="Avenir Heavy" charset="0"/>
+                <a:ea typeface="Avenir Heavy" charset="0"/>
+                <a:cs typeface="Avenir Heavy" charset="0"/>
+              </a:rPr>
+              <a:t>YCBCR color space </a:t>
             </a:r>
             <a:r>
               <a:rPr lang="en-US" sz="4000" dirty="0" smtClean="0">
@@ -4027,9 +4476,29 @@
                 <a:ea typeface="Avenir Light" charset="0"/>
                 <a:cs typeface="Avenir Light" charset="0"/>
               </a:rPr>
-              <a:t>.</a:t>
-            </a:r>
-            <a:endParaRPr lang="en-US" sz="4000" dirty="0" smtClean="0">
+              <a:t>for comparable and robust color separation and feature detection.</a:t>
+            </a:r>
+          </a:p>
+          <a:p>
+            <a:pPr marL="914400" indent="-914400" algn="just">
+              <a:lnSpc>
+                <a:spcPct val="150000"/>
+              </a:lnSpc>
+              <a:buFontTx/>
+              <a:buAutoNum type="arabicPeriod"/>
+            </a:pPr>
+            <a:r>
+              <a:rPr lang="en-US" sz="4000" dirty="0" smtClean="0">
+                <a:solidFill>
+                  <a:sysClr val="windowText" lastClr="000000"/>
+                </a:solidFill>
+                <a:latin typeface="Avenir Light" charset="0"/>
+                <a:ea typeface="Avenir Light" charset="0"/>
+                <a:cs typeface="Avenir Light" charset="0"/>
+              </a:rPr>
+              <a:t>Efficient code implementation for real-time performance with minimal delay.</a:t>
+            </a:r>
+            <a:endParaRPr lang="en-US" sz="4000" dirty="0">
               <a:solidFill>
                 <a:sysClr val="windowText" lastClr="000000"/>
               </a:solidFill>
@@ -4039,10 +4508,12 @@
             </a:endParaRPr>
           </a:p>
           <a:p>
-            <a:pPr algn="just">
+            <a:pPr marL="914400" indent="-914400" algn="just">
               <a:lnSpc>
                 <a:spcPct val="150000"/>
               </a:lnSpc>
+              <a:buFontTx/>
+              <a:buAutoNum type="arabicPeriod"/>
             </a:pPr>
             <a:endParaRPr lang="en-US" sz="4000" dirty="0" smtClean="0">
               <a:solidFill>
@@ -4053,67 +4524,445 @@
               <a:cs typeface="Avenir Light" charset="0"/>
             </a:endParaRPr>
           </a:p>
-          <a:p>
-            <a:pPr algn="just">
-              <a:lnSpc>
-                <a:spcPct val="150000"/>
-              </a:lnSpc>
-            </a:pPr>
-            <a:r>
-              <a:rPr lang="en-US" sz="4000" dirty="0" smtClean="0">
-                <a:solidFill>
-                  <a:sysClr val="windowText" lastClr="000000"/>
-                </a:solidFill>
-                <a:latin typeface="Avenir Light" charset="0"/>
-                <a:ea typeface="Avenir Light" charset="0"/>
-                <a:cs typeface="Avenir Light" charset="0"/>
-              </a:rPr>
-              <a:t>* YC</a:t>
-            </a:r>
-            <a:r>
-              <a:rPr lang="en-US" sz="4000" baseline="-25000" dirty="0" smtClean="0">
-                <a:solidFill>
-                  <a:sysClr val="windowText" lastClr="000000"/>
-                </a:solidFill>
-                <a:latin typeface="Avenir Light" charset="0"/>
-                <a:ea typeface="Avenir Light" charset="0"/>
-                <a:cs typeface="Avenir Light" charset="0"/>
-              </a:rPr>
-              <a:t>B</a:t>
-            </a:r>
-            <a:r>
-              <a:rPr lang="en-US" sz="4000" dirty="0" smtClean="0">
-                <a:solidFill>
-                  <a:sysClr val="windowText" lastClr="000000"/>
-                </a:solidFill>
-                <a:latin typeface="Avenir Light" charset="0"/>
-                <a:ea typeface="Avenir Light" charset="0"/>
-                <a:cs typeface="Avenir Light" charset="0"/>
-              </a:rPr>
-              <a:t>C</a:t>
-            </a:r>
-            <a:r>
-              <a:rPr lang="en-US" sz="4000" baseline="-25000" dirty="0" smtClean="0">
-                <a:solidFill>
-                  <a:sysClr val="windowText" lastClr="000000"/>
-                </a:solidFill>
-                <a:latin typeface="Avenir Light" charset="0"/>
-                <a:ea typeface="Avenir Light" charset="0"/>
-                <a:cs typeface="Avenir Light" charset="0"/>
-              </a:rPr>
-              <a:t>R</a:t>
-            </a:r>
-            <a:endParaRPr lang="en-US" sz="4000" dirty="0">
-              <a:solidFill>
-                <a:sysClr val="windowText" lastClr="000000"/>
-              </a:solidFill>
-              <a:latin typeface="Avenir Light" charset="0"/>
-              <a:ea typeface="Avenir Light" charset="0"/>
-              <a:cs typeface="Avenir Light" charset="0"/>
-            </a:endParaRPr>
-          </a:p>
-        </p:txBody>
-      </p:sp>
+        </p:txBody>
+      </p:sp>
+      <mc:AlternateContent xmlns:mc="http://schemas.openxmlformats.org/markup-compatibility/2006">
+        <mc:Choice xmlns:a14="http://schemas.microsoft.com/office/drawing/2010/main" Requires="a14">
+          <p:sp>
+            <p:nvSpPr>
+              <p:cNvPr id="13" name="TextBox 12"/>
+              <p:cNvSpPr txBox="1"/>
+              <p:nvPr/>
+            </p:nvSpPr>
+            <p:spPr>
+              <a:xfrm>
+                <a:off x="2621210" y="38271847"/>
+                <a:ext cx="9631827" cy="3728585"/>
+              </a:xfrm>
+              <a:prstGeom prst="rect">
+                <a:avLst/>
+              </a:prstGeom>
+              <a:noFill/>
+            </p:spPr>
+            <p:txBody>
+              <a:bodyPr wrap="square" rtlCol="0">
+                <a:spAutoFit/>
+              </a:bodyPr>
+              <a:lstStyle/>
+              <a:p>
+                <a:pPr algn="just"/>
+                <a:r>
+                  <a:rPr lang="en-US" sz="3200" dirty="0" smtClean="0">
+                    <a:solidFill>
+                      <a:sysClr val="windowText" lastClr="000000"/>
+                    </a:solidFill>
+                    <a:latin typeface="Avenir Light" charset="0"/>
+                    <a:ea typeface="Avenir Light" charset="0"/>
+                    <a:cs typeface="Avenir Light" charset="0"/>
+                  </a:rPr>
+                  <a:t>Using a ground truth 2D checkerboard images. Minimizing </a:t>
+                </a:r>
+                <a:r>
+                  <a:rPr lang="en-US" sz="3200" dirty="0">
+                    <a:solidFill>
+                      <a:sysClr val="windowText" lastClr="000000"/>
+                    </a:solidFill>
+                    <a:latin typeface="Avenir Light" charset="0"/>
+                    <a:ea typeface="Avenir Light" charset="0"/>
+                    <a:cs typeface="Avenir Light" charset="0"/>
+                  </a:rPr>
+                  <a:t>the following </a:t>
+                </a:r>
+                <a:r>
+                  <a:rPr lang="en-US" sz="3200" dirty="0" smtClean="0">
+                    <a:solidFill>
+                      <a:sysClr val="windowText" lastClr="000000"/>
+                    </a:solidFill>
+                    <a:latin typeface="Avenir Light" charset="0"/>
+                    <a:ea typeface="Avenir Light" charset="0"/>
+                    <a:cs typeface="Avenir Light" charset="0"/>
+                  </a:rPr>
+                  <a:t>loss function</a:t>
+                </a:r>
+                <a:r>
+                  <a:rPr lang="en-US" sz="3200" dirty="0" smtClean="0">
+                    <a:solidFill>
+                      <a:srgbClr val="000000"/>
+                    </a:solidFill>
+                    <a:latin typeface="HelveticaNeue" charset="0"/>
+                  </a:rPr>
+                  <a:t>:</a:t>
+                </a:r>
+              </a:p>
+              <a:p>
+                <a:pPr algn="just"/>
+                <a:r>
+                  <a:rPr lang="en-US" sz="3200" dirty="0">
+                    <a:solidFill>
+                      <a:sysClr val="windowText" lastClr="000000"/>
+                    </a:solidFill>
+                    <a:latin typeface="Avenir Light" charset="0"/>
+                    <a:ea typeface="Avenir Light" charset="0"/>
+                    <a:cs typeface="Avenir Light" charset="0"/>
+                  </a:rPr>
+                  <a:t>Where</a:t>
+                </a:r>
+                <a14:m>
+                  <m:oMath xmlns:m="http://schemas.openxmlformats.org/officeDocument/2006/math">
+                    <m:r>
+                      <a:rPr lang="en-US" sz="3200">
+                        <a:solidFill>
+                          <a:sysClr val="windowText" lastClr="000000"/>
+                        </a:solidFill>
+                        <a:latin typeface="Avenir Light" charset="0"/>
+                        <a:ea typeface="Avenir Light" charset="0"/>
+                        <a:cs typeface="Avenir Light" charset="0"/>
+                      </a:rPr>
+                      <m:t> </m:t>
+                    </m:r>
+                    <m:r>
+                      <a:rPr lang="en-US" sz="3200">
+                        <a:solidFill>
+                          <a:sysClr val="windowText" lastClr="000000"/>
+                        </a:solidFill>
+                        <a:latin typeface="Avenir Light" charset="0"/>
+                        <a:ea typeface="Avenir Light" charset="0"/>
+                        <a:cs typeface="Avenir Light" charset="0"/>
+                      </a:rPr>
+                      <m:t>𝑚</m:t>
+                    </m:r>
+                    <m:d>
+                      <m:dPr>
+                        <m:ctrlPr>
+                          <a:rPr lang="en-US" sz="3200" i="1">
+                            <a:solidFill>
+                              <a:sysClr val="windowText" lastClr="000000"/>
+                            </a:solidFill>
+                            <a:latin typeface="Cambria Math" charset="0"/>
+                            <a:ea typeface="Avenir Light" charset="0"/>
+                            <a:cs typeface="Avenir Light" charset="0"/>
+                          </a:rPr>
+                        </m:ctrlPr>
+                      </m:dPr>
+                      <m:e>
+                        <m:r>
+                          <a:rPr lang="en-US" sz="3200">
+                            <a:solidFill>
+                              <a:sysClr val="windowText" lastClr="000000"/>
+                            </a:solidFill>
+                            <a:latin typeface="Avenir Light" charset="0"/>
+                            <a:ea typeface="Avenir Light" charset="0"/>
+                            <a:cs typeface="Avenir Light" charset="0"/>
+                          </a:rPr>
+                          <m:t>𝐴</m:t>
+                        </m:r>
+                        <m:r>
+                          <a:rPr lang="en-US" sz="3200">
+                            <a:solidFill>
+                              <a:sysClr val="windowText" lastClr="000000"/>
+                            </a:solidFill>
+                            <a:latin typeface="Avenir Light" charset="0"/>
+                            <a:ea typeface="Avenir Light" charset="0"/>
+                            <a:cs typeface="Avenir Light" charset="0"/>
+                          </a:rPr>
+                          <m:t>,</m:t>
+                        </m:r>
+                        <m:sSub>
+                          <m:sSubPr>
+                            <m:ctrlPr>
+                              <a:rPr lang="en-US" sz="3200">
+                                <a:solidFill>
+                                  <a:sysClr val="windowText" lastClr="000000"/>
+                                </a:solidFill>
+                                <a:latin typeface="Avenir Light" charset="0"/>
+                                <a:ea typeface="Avenir Light" charset="0"/>
+                                <a:cs typeface="Avenir Light" charset="0"/>
+                              </a:rPr>
+                            </m:ctrlPr>
+                          </m:sSubPr>
+                          <m:e>
+                            <m:r>
+                              <a:rPr lang="en-US" sz="3200">
+                                <a:solidFill>
+                                  <a:sysClr val="windowText" lastClr="000000"/>
+                                </a:solidFill>
+                                <a:latin typeface="Avenir Light" charset="0"/>
+                                <a:ea typeface="Avenir Light" charset="0"/>
+                                <a:cs typeface="Avenir Light" charset="0"/>
+                              </a:rPr>
+                              <m:t>𝑅</m:t>
+                            </m:r>
+                          </m:e>
+                          <m:sub>
+                            <m:r>
+                              <a:rPr lang="en-US" sz="3200">
+                                <a:solidFill>
+                                  <a:sysClr val="windowText" lastClr="000000"/>
+                                </a:solidFill>
+                                <a:latin typeface="Avenir Light" charset="0"/>
+                                <a:ea typeface="Avenir Light" charset="0"/>
+                                <a:cs typeface="Avenir Light" charset="0"/>
+                              </a:rPr>
+                              <m:t>𝑖</m:t>
+                            </m:r>
+                          </m:sub>
+                        </m:sSub>
+                        <m:r>
+                          <a:rPr lang="en-US" sz="3200">
+                            <a:solidFill>
+                              <a:sysClr val="windowText" lastClr="000000"/>
+                            </a:solidFill>
+                            <a:latin typeface="Avenir Light" charset="0"/>
+                            <a:ea typeface="Avenir Light" charset="0"/>
+                            <a:cs typeface="Avenir Light" charset="0"/>
+                          </a:rPr>
+                          <m:t>,</m:t>
+                        </m:r>
+                        <m:sSub>
+                          <m:sSubPr>
+                            <m:ctrlPr>
+                              <a:rPr lang="en-US" sz="3200">
+                                <a:solidFill>
+                                  <a:sysClr val="windowText" lastClr="000000"/>
+                                </a:solidFill>
+                                <a:latin typeface="Avenir Light" charset="0"/>
+                                <a:ea typeface="Avenir Light" charset="0"/>
+                                <a:cs typeface="Avenir Light" charset="0"/>
+                              </a:rPr>
+                            </m:ctrlPr>
+                          </m:sSubPr>
+                          <m:e>
+                            <m:r>
+                              <a:rPr lang="en-US" sz="3200">
+                                <a:solidFill>
+                                  <a:sysClr val="windowText" lastClr="000000"/>
+                                </a:solidFill>
+                                <a:latin typeface="Avenir Light" charset="0"/>
+                                <a:ea typeface="Avenir Light" charset="0"/>
+                                <a:cs typeface="Avenir Light" charset="0"/>
+                              </a:rPr>
+                              <m:t>𝑡</m:t>
+                            </m:r>
+                          </m:e>
+                          <m:sub>
+                            <m:r>
+                              <a:rPr lang="en-US" sz="3200">
+                                <a:solidFill>
+                                  <a:sysClr val="windowText" lastClr="000000"/>
+                                </a:solidFill>
+                                <a:latin typeface="Avenir Light" charset="0"/>
+                                <a:ea typeface="Avenir Light" charset="0"/>
+                                <a:cs typeface="Avenir Light" charset="0"/>
+                              </a:rPr>
+                              <m:t>𝑖</m:t>
+                            </m:r>
+                          </m:sub>
+                        </m:sSub>
+                        <m:r>
+                          <a:rPr lang="en-US" sz="3200">
+                            <a:solidFill>
+                              <a:sysClr val="windowText" lastClr="000000"/>
+                            </a:solidFill>
+                            <a:latin typeface="Avenir Light" charset="0"/>
+                            <a:ea typeface="Avenir Light" charset="0"/>
+                            <a:cs typeface="Avenir Light" charset="0"/>
+                          </a:rPr>
+                          <m:t>,</m:t>
+                        </m:r>
+                        <m:sSub>
+                          <m:sSubPr>
+                            <m:ctrlPr>
+                              <a:rPr lang="en-US" sz="3200">
+                                <a:solidFill>
+                                  <a:sysClr val="windowText" lastClr="000000"/>
+                                </a:solidFill>
+                                <a:latin typeface="Avenir Light" charset="0"/>
+                                <a:ea typeface="Avenir Light" charset="0"/>
+                                <a:cs typeface="Avenir Light" charset="0"/>
+                              </a:rPr>
+                            </m:ctrlPr>
+                          </m:sSubPr>
+                          <m:e>
+                            <m:r>
+                              <a:rPr lang="en-US" sz="3200">
+                                <a:solidFill>
+                                  <a:sysClr val="windowText" lastClr="000000"/>
+                                </a:solidFill>
+                                <a:latin typeface="Avenir Light" charset="0"/>
+                                <a:ea typeface="Avenir Light" charset="0"/>
+                                <a:cs typeface="Avenir Light" charset="0"/>
+                              </a:rPr>
+                              <m:t>𝑀</m:t>
+                            </m:r>
+                          </m:e>
+                          <m:sub>
+                            <m:r>
+                              <a:rPr lang="en-US" sz="3200">
+                                <a:solidFill>
+                                  <a:sysClr val="windowText" lastClr="000000"/>
+                                </a:solidFill>
+                                <a:latin typeface="Avenir Light" charset="0"/>
+                                <a:ea typeface="Avenir Light" charset="0"/>
+                                <a:cs typeface="Avenir Light" charset="0"/>
+                              </a:rPr>
+                              <m:t>𝑗</m:t>
+                            </m:r>
+                          </m:sub>
+                        </m:sSub>
+                      </m:e>
+                    </m:d>
+                  </m:oMath>
+                </a14:m>
+                <a:r>
+                  <a:rPr lang="en-US" sz="3200" dirty="0" smtClean="0">
+                    <a:solidFill>
+                      <a:sysClr val="windowText" lastClr="000000"/>
+                    </a:solidFill>
+                    <a:latin typeface="Avenir Light" charset="0"/>
+                    <a:ea typeface="Avenir Light" charset="0"/>
+                    <a:cs typeface="Avenir Light" charset="0"/>
+                  </a:rPr>
+                  <a:t>is </a:t>
+                </a:r>
+                <a:r>
+                  <a:rPr lang="en-US" sz="3200" dirty="0">
+                    <a:solidFill>
+                      <a:sysClr val="windowText" lastClr="000000"/>
+                    </a:solidFill>
+                    <a:latin typeface="Avenir Light" charset="0"/>
+                    <a:ea typeface="Avenir Light" charset="0"/>
+                    <a:cs typeface="Avenir Light" charset="0"/>
+                  </a:rPr>
+                  <a:t>the projection of point </a:t>
+                </a:r>
+                <a:r>
+                  <a:rPr lang="en-US" sz="3200" dirty="0" err="1">
+                    <a:solidFill>
+                      <a:sysClr val="windowText" lastClr="000000"/>
+                    </a:solidFill>
+                    <a:latin typeface="Avenir Light" charset="0"/>
+                    <a:ea typeface="Avenir Light" charset="0"/>
+                    <a:cs typeface="Avenir Light" charset="0"/>
+                  </a:rPr>
+                  <a:t>Mj</a:t>
+                </a:r>
+                <a:r>
+                  <a:rPr lang="en-US" sz="3200" dirty="0">
+                    <a:solidFill>
+                      <a:sysClr val="windowText" lastClr="000000"/>
+                    </a:solidFill>
+                    <a:latin typeface="Avenir Light" charset="0"/>
+                    <a:ea typeface="Avenir Light" charset="0"/>
+                    <a:cs typeface="Avenir Light" charset="0"/>
+                  </a:rPr>
+                  <a:t> </a:t>
+                </a:r>
+                <a:r>
+                  <a:rPr lang="en-US" sz="3200" dirty="0" smtClean="0">
+                    <a:solidFill>
+                      <a:sysClr val="windowText" lastClr="000000"/>
+                    </a:solidFill>
+                    <a:latin typeface="Avenir Light" charset="0"/>
+                    <a:ea typeface="Avenir Light" charset="0"/>
+                    <a:cs typeface="Avenir Light" charset="0"/>
+                  </a:rPr>
+                  <a:t>feature point in </a:t>
+                </a:r>
+                <a:r>
+                  <a:rPr lang="en-US" sz="3200" dirty="0">
+                    <a:solidFill>
+                      <a:sysClr val="windowText" lastClr="000000"/>
+                    </a:solidFill>
+                    <a:latin typeface="Avenir Light" charset="0"/>
+                    <a:ea typeface="Avenir Light" charset="0"/>
+                    <a:cs typeface="Avenir Light" charset="0"/>
+                  </a:rPr>
+                  <a:t>image </a:t>
+                </a:r>
+                <a:r>
+                  <a:rPr lang="en-US" sz="3200" dirty="0" err="1" smtClean="0">
+                    <a:solidFill>
+                      <a:sysClr val="windowText" lastClr="000000"/>
+                    </a:solidFill>
+                    <a:latin typeface="Avenir Light" charset="0"/>
+                    <a:ea typeface="Avenir Light" charset="0"/>
+                    <a:cs typeface="Avenir Light" charset="0"/>
+                  </a:rPr>
+                  <a:t>i</a:t>
+                </a:r>
+                <a:r>
+                  <a:rPr lang="en-US" sz="3200" dirty="0" smtClean="0">
+                    <a:solidFill>
+                      <a:sysClr val="windowText" lastClr="000000"/>
+                    </a:solidFill>
+                    <a:latin typeface="Avenir Light" charset="0"/>
+                    <a:ea typeface="Avenir Light" charset="0"/>
+                    <a:cs typeface="Avenir Light" charset="0"/>
+                  </a:rPr>
+                  <a:t>.</a:t>
+                </a:r>
+                <a:endParaRPr lang="en-US" sz="3200" dirty="0">
+                  <a:solidFill>
+                    <a:sysClr val="windowText" lastClr="000000"/>
+                  </a:solidFill>
+                  <a:latin typeface="Avenir Light" charset="0"/>
+                  <a:ea typeface="Avenir Light" charset="0"/>
+                  <a:cs typeface="Avenir Light" charset="0"/>
+                </a:endParaRPr>
+              </a:p>
+              <a:p>
+                <a:endParaRPr lang="en-US" sz="3200" dirty="0" smtClean="0">
+                  <a:solidFill>
+                    <a:srgbClr val="000000"/>
+                  </a:solidFill>
+                  <a:latin typeface="HelveticaNeue" charset="0"/>
+                </a:endParaRPr>
+              </a:p>
+              <a:p>
+                <a:endParaRPr lang="en-US" dirty="0"/>
+              </a:p>
+            </p:txBody>
+          </p:sp>
+        </mc:Choice>
+        <mc:Fallback>
+          <p:sp>
+            <p:nvSpPr>
+              <p:cNvPr id="13" name="TextBox 12"/>
+              <p:cNvSpPr txBox="1">
+                <a:spLocks noRot="1" noChangeAspect="1" noMove="1" noResize="1" noEditPoints="1" noAdjustHandles="1" noChangeArrowheads="1" noChangeShapeType="1" noTextEdit="1"/>
+              </p:cNvSpPr>
+              <p:nvPr/>
+            </p:nvSpPr>
+            <p:spPr>
+              <a:xfrm>
+                <a:off x="2621210" y="38271847"/>
+                <a:ext cx="9631827" cy="3728585"/>
+              </a:xfrm>
+              <a:prstGeom prst="rect">
+                <a:avLst/>
+              </a:prstGeom>
+              <a:blipFill rotWithShape="0">
+                <a:blip r:embed="rId3"/>
+                <a:stretch>
+                  <a:fillRect l="-1646" t="-1961" r="-1582"/>
+                </a:stretch>
+              </a:blipFill>
+            </p:spPr>
+            <p:txBody>
+              <a:bodyPr/>
+              <a:lstStyle/>
+              <a:p>
+                <a:r>
+                  <a:rPr lang="en-US">
+                    <a:noFill/>
+                  </a:rPr>
+                  <a:t> </a:t>
+                </a:r>
+              </a:p>
+            </p:txBody>
+          </p:sp>
+        </mc:Fallback>
+      </mc:AlternateContent>
       <p:sp>
         <p:nvSpPr>
           <p:cNvPr id="11" name="TextBox 10"/>
@@ -4122,8 +4971,8 @@
         </p:nvSpPr>
         <p:spPr>
           <a:xfrm>
-            <a:off x="6280220" y="28486365"/>
-            <a:ext cx="20924016" cy="1877437"/>
+            <a:off x="5854842" y="28425624"/>
+            <a:ext cx="20924016" cy="1631216"/>
           </a:xfrm>
           <a:prstGeom prst="rect">
             <a:avLst/>
@@ -4138,7 +4987,7 @@
           <a:p>
             <a:pPr algn="ctr"/>
             <a:r>
-              <a:rPr lang="en-US" sz="11600" b="1" dirty="0" smtClean="0">
+              <a:rPr lang="en-US" sz="10000" b="1" dirty="0" smtClean="0">
                 <a:solidFill>
                   <a:schemeClr val="accent5">
                     <a:lumMod val="50000"/>
@@ -4150,7 +4999,7 @@
               </a:rPr>
               <a:t>The System</a:t>
             </a:r>
-            <a:endParaRPr lang="en-US" sz="6000" b="1" dirty="0">
+            <a:endParaRPr lang="en-US" sz="10000" b="1" dirty="0">
               <a:solidFill>
                 <a:schemeClr val="accent5">
                   <a:lumMod val="50000"/>
@@ -4172,7 +5021,7 @@
           <p:nvPr/>
         </p:nvPicPr>
         <p:blipFill>
-          <a:blip r:embed="rId2"/>
+          <a:blip r:embed="rId4"/>
           <a:stretch>
             <a:fillRect/>
           </a:stretch>
@@ -4196,14 +5045,14 @@
           <p:nvPr/>
         </p:nvPicPr>
         <p:blipFill>
-          <a:blip r:embed="rId3"/>
+          <a:blip r:embed="rId5"/>
           <a:stretch>
             <a:fillRect/>
           </a:stretch>
         </p:blipFill>
         <p:spPr>
           <a:xfrm>
-            <a:off x="701537" y="30363802"/>
+            <a:off x="701537" y="29819916"/>
             <a:ext cx="30773426" cy="7659761"/>
           </a:xfrm>
           <a:prstGeom prst="rect">
@@ -4211,6 +5060,228 @@
           </a:prstGeom>
         </p:spPr>
       </p:pic>
+      <p:pic>
+        <p:nvPicPr>
+          <p:cNvPr id="6" name="Picture 5"/>
+          <p:cNvPicPr>
+            <a:picLocks noChangeAspect="1"/>
+          </p:cNvPicPr>
+          <p:nvPr/>
+        </p:nvPicPr>
+        <p:blipFill>
+          <a:blip r:embed="rId6"/>
+          <a:stretch>
+            <a:fillRect/>
+          </a:stretch>
+        </p:blipFill>
+        <p:spPr>
+          <a:xfrm>
+            <a:off x="3819355" y="40398873"/>
+            <a:ext cx="7235537" cy="1805490"/>
+          </a:xfrm>
+          <a:prstGeom prst="rect">
+            <a:avLst/>
+          </a:prstGeom>
+        </p:spPr>
+      </p:pic>
+      <p:cxnSp>
+        <p:nvCxnSpPr>
+          <p:cNvPr id="23" name="Straight Connector 22"/>
+          <p:cNvCxnSpPr/>
+          <p:nvPr/>
+        </p:nvCxnSpPr>
+        <p:spPr>
+          <a:xfrm>
+            <a:off x="7437124" y="37335373"/>
+            <a:ext cx="0" cy="858667"/>
+          </a:xfrm>
+          <a:prstGeom prst="line">
+            <a:avLst/>
+          </a:prstGeom>
+          <a:ln w="38100">
+            <a:solidFill>
+              <a:schemeClr val="tx1"/>
+            </a:solidFill>
+            <a:prstDash val="dash"/>
+          </a:ln>
+        </p:spPr>
+        <p:style>
+          <a:lnRef idx="1">
+            <a:schemeClr val="accent1"/>
+          </a:lnRef>
+          <a:fillRef idx="0">
+            <a:schemeClr val="accent1"/>
+          </a:fillRef>
+          <a:effectRef idx="0">
+            <a:schemeClr val="accent1"/>
+          </a:effectRef>
+          <a:fontRef idx="minor">
+            <a:schemeClr val="tx1"/>
+          </a:fontRef>
+        </p:style>
+      </p:cxnSp>
+      <p:sp>
+        <p:nvSpPr>
+          <p:cNvPr id="24" name="TextBox 23"/>
+          <p:cNvSpPr txBox="1"/>
+          <p:nvPr/>
+        </p:nvSpPr>
+        <p:spPr>
+          <a:xfrm>
+            <a:off x="14853664" y="35685771"/>
+            <a:ext cx="7606506" cy="2554545"/>
+          </a:xfrm>
+          <a:prstGeom prst="rect">
+            <a:avLst/>
+          </a:prstGeom>
+          <a:noFill/>
+        </p:spPr>
+        <p:txBody>
+          <a:bodyPr wrap="square" rtlCol="0">
+            <a:spAutoFit/>
+          </a:bodyPr>
+          <a:lstStyle/>
+          <a:p>
+            <a:pPr algn="just"/>
+            <a:r>
+              <a:rPr lang="en-US" sz="3200" dirty="0" smtClean="0">
+                <a:solidFill>
+                  <a:sysClr val="windowText" lastClr="000000"/>
+                </a:solidFill>
+                <a:latin typeface="Avenir Light" charset="0"/>
+                <a:ea typeface="Avenir Light" charset="0"/>
+                <a:cs typeface="Avenir Light" charset="0"/>
+              </a:rPr>
+              <a:t>Color separation for creating the features masks. Finding connected components in each mask, choosing the biggest connected component and finding it’s center of mass.</a:t>
+            </a:r>
+            <a:endParaRPr lang="en-US" dirty="0"/>
+          </a:p>
+        </p:txBody>
+      </p:sp>
+      <p:cxnSp>
+        <p:nvCxnSpPr>
+          <p:cNvPr id="25" name="Straight Connector 24"/>
+          <p:cNvCxnSpPr/>
+          <p:nvPr/>
+        </p:nvCxnSpPr>
+        <p:spPr>
+          <a:xfrm>
+            <a:off x="18656917" y="33276285"/>
+            <a:ext cx="0" cy="2409486"/>
+          </a:xfrm>
+          <a:prstGeom prst="line">
+            <a:avLst/>
+          </a:prstGeom>
+          <a:ln w="38100">
+            <a:solidFill>
+              <a:schemeClr val="tx1"/>
+            </a:solidFill>
+            <a:prstDash val="dash"/>
+          </a:ln>
+        </p:spPr>
+        <p:style>
+          <a:lnRef idx="1">
+            <a:schemeClr val="accent1"/>
+          </a:lnRef>
+          <a:fillRef idx="0">
+            <a:schemeClr val="accent1"/>
+          </a:fillRef>
+          <a:effectRef idx="0">
+            <a:schemeClr val="accent1"/>
+          </a:effectRef>
+          <a:fontRef idx="minor">
+            <a:schemeClr val="tx1"/>
+          </a:fontRef>
+        </p:style>
+      </p:cxnSp>
+      <p:sp>
+        <p:nvSpPr>
+          <p:cNvPr id="27" name="TextBox 26"/>
+          <p:cNvSpPr txBox="1"/>
+          <p:nvPr/>
+        </p:nvSpPr>
+        <p:spPr>
+          <a:xfrm>
+            <a:off x="23922012" y="35582564"/>
+            <a:ext cx="7606506" cy="3046988"/>
+          </a:xfrm>
+          <a:prstGeom prst="rect">
+            <a:avLst/>
+          </a:prstGeom>
+          <a:noFill/>
+        </p:spPr>
+        <p:txBody>
+          <a:bodyPr wrap="square" rtlCol="0">
+            <a:spAutoFit/>
+          </a:bodyPr>
+          <a:lstStyle/>
+          <a:p>
+            <a:pPr algn="just"/>
+            <a:r>
+              <a:rPr lang="en-US" sz="3200" dirty="0" smtClean="0">
+                <a:solidFill>
+                  <a:sysClr val="windowText" lastClr="000000"/>
+                </a:solidFill>
+                <a:latin typeface="Avenir Light" charset="0"/>
+                <a:ea typeface="Avenir Light" charset="0"/>
+                <a:cs typeface="Avenir Light" charset="0"/>
+              </a:rPr>
+              <a:t>After estimating the [x, y, z] location for each drum-stick. Comparing the current and the last location of the stick in order to measure the it’s movement.</a:t>
+            </a:r>
+          </a:p>
+          <a:p>
+            <a:pPr algn="just"/>
+            <a:r>
+              <a:rPr lang="en-US" sz="3200" dirty="0" smtClean="0">
+                <a:solidFill>
+                  <a:sysClr val="windowText" lastClr="000000"/>
+                </a:solidFill>
+                <a:latin typeface="Avenir Light" charset="0"/>
+                <a:ea typeface="Avenir Light" charset="0"/>
+                <a:cs typeface="Avenir Light" charset="0"/>
+              </a:rPr>
+              <a:t>Evoking sound when a ‘hit’ movement is detected.</a:t>
+            </a:r>
+            <a:endParaRPr lang="en-US" dirty="0"/>
+          </a:p>
+        </p:txBody>
+      </p:sp>
+      <p:cxnSp>
+        <p:nvCxnSpPr>
+          <p:cNvPr id="28" name="Straight Connector 27"/>
+          <p:cNvCxnSpPr/>
+          <p:nvPr/>
+        </p:nvCxnSpPr>
+        <p:spPr>
+          <a:xfrm flipH="1">
+            <a:off x="29607641" y="33015423"/>
+            <a:ext cx="9486" cy="2330867"/>
+          </a:xfrm>
+          <a:prstGeom prst="line">
+            <a:avLst/>
+          </a:prstGeom>
+          <a:ln w="38100">
+            <a:solidFill>
+              <a:schemeClr val="tx1"/>
+            </a:solidFill>
+            <a:prstDash val="dash"/>
+          </a:ln>
+        </p:spPr>
+        <p:style>
+          <a:lnRef idx="1">
+            <a:schemeClr val="accent1"/>
+          </a:lnRef>
+          <a:fillRef idx="0">
+            <a:schemeClr val="accent1"/>
+          </a:fillRef>
+          <a:effectRef idx="0">
+            <a:schemeClr val="accent1"/>
+          </a:effectRef>
+          <a:fontRef idx="minor">
+            <a:schemeClr val="tx1"/>
+          </a:fontRef>
+        </p:style>
+      </p:cxnSp>
     </p:spTree>
     <p:extLst>
       <p:ext uri="{BB962C8B-B14F-4D97-AF65-F5344CB8AC3E}">
@@ -4490,4 +5561,265 @@
     </a:ext>
   </a:extLst>
 </a:theme>
+</file>
+
+<file path=ppt/theme/theme2.xml><?xml version="1.0" encoding="utf-8"?>
+<a:theme xmlns:a="http://schemas.openxmlformats.org/drawingml/2006/main" name="Office Theme">
+  <a:themeElements>
+    <a:clrScheme name="Office">
+      <a:dk1>
+        <a:sysClr val="windowText" lastClr="000000"/>
+      </a:dk1>
+      <a:lt1>
+        <a:sysClr val="window" lastClr="FFFFFF"/>
+      </a:lt1>
+      <a:dk2>
+        <a:srgbClr val="44546A"/>
+      </a:dk2>
+      <a:lt2>
+        <a:srgbClr val="E7E6E6"/>
+      </a:lt2>
+      <a:accent1>
+        <a:srgbClr val="5B9BD5"/>
+      </a:accent1>
+      <a:accent2>
+        <a:srgbClr val="ED7D31"/>
+      </a:accent2>
+      <a:accent3>
+        <a:srgbClr val="A5A5A5"/>
+      </a:accent3>
+      <a:accent4>
+        <a:srgbClr val="FFC000"/>
+      </a:accent4>
+      <a:accent5>
+        <a:srgbClr val="4472C4"/>
+      </a:accent5>
+      <a:accent6>
+        <a:srgbClr val="70AD47"/>
+      </a:accent6>
+      <a:hlink>
+        <a:srgbClr val="0563C1"/>
+      </a:hlink>
+      <a:folHlink>
+        <a:srgbClr val="954F72"/>
+      </a:folHlink>
+    </a:clrScheme>
+    <a:fontScheme name="Office">
+      <a:majorFont>
+        <a:latin typeface="Calibri Light" panose="020F0302020204030204"/>
+        <a:ea typeface=""/>
+        <a:cs typeface=""/>
+        <a:font script="Jpan" typeface="Yu Gothic Light"/>
+        <a:font script="Hang" typeface="맑은 고딕"/>
+        <a:font script="Hans" typeface="DengXian Light"/>
+        <a:font script="Hant" typeface="新細明體"/>
+        <a:font script="Arab" typeface="Times New Roman"/>
+        <a:font script="Hebr" typeface="Times New Roman"/>
+        <a:font script="Thai" typeface="Angsana New"/>
+        <a:font script="Ethi" typeface="Nyala"/>
+        <a:font script="Beng" typeface="Vrinda"/>
+        <a:font script="Gujr" typeface="Shruti"/>
+        <a:font script="Khmr" typeface="MoolBoran"/>
+        <a:font script="Knda" typeface="Tunga"/>
+        <a:font script="Guru" typeface="Raavi"/>
+        <a:font script="Cans" typeface="Euphemia"/>
+        <a:font script="Cher" typeface="Plantagenet Cherokee"/>
+        <a:font script="Yiii" typeface="Microsoft Yi Baiti"/>
+        <a:font script="Tibt" typeface="Microsoft Himalaya"/>
+        <a:font script="Thaa" typeface="MV Boli"/>
+        <a:font script="Deva" typeface="Mangal"/>
+        <a:font script="Telu" typeface="Gautami"/>
+        <a:font script="Taml" typeface="Latha"/>
+        <a:font script="Syrc" typeface="Estrangelo Edessa"/>
+        <a:font script="Orya" typeface="Kalinga"/>
+        <a:font script="Mlym" typeface="Kartika"/>
+        <a:font script="Laoo" typeface="DokChampa"/>
+        <a:font script="Sinh" typeface="Iskoola Pota"/>
+        <a:font script="Mong" typeface="Mongolian Baiti"/>
+        <a:font script="Viet" typeface="Times New Roman"/>
+        <a:font script="Uigh" typeface="Microsoft Uighur"/>
+        <a:font script="Geor" typeface="Sylfaen"/>
+      </a:majorFont>
+      <a:minorFont>
+        <a:latin typeface="Calibri" panose="020F0502020204030204"/>
+        <a:ea typeface=""/>
+        <a:cs typeface=""/>
+        <a:font script="Jpan" typeface="Yu Gothic"/>
+        <a:font script="Hang" typeface="맑은 고딕"/>
+        <a:font script="Hans" typeface="DengXian"/>
+        <a:font script="Hant" typeface="新細明體"/>
+        <a:font script="Arab" typeface="Arial"/>
+        <a:font script="Hebr" typeface="Arial"/>
+        <a:font script="Thai" typeface="Cordia New"/>
+        <a:font script="Ethi" typeface="Nyala"/>
+        <a:font script="Beng" typeface="Vrinda"/>
+        <a:font script="Gujr" typeface="Shruti"/>
+        <a:font script="Khmr" typeface="DaunPenh"/>
+        <a:font script="Knda" typeface="Tunga"/>
+        <a:font script="Guru" typeface="Raavi"/>
+        <a:font script="Cans" typeface="Euphemia"/>
+        <a:font script="Cher" typeface="Plantagenet Cherokee"/>
+        <a:font script="Yiii" typeface="Microsoft Yi Baiti"/>
+        <a:font script="Tibt" typeface="Microsoft Himalaya"/>
+        <a:font script="Thaa" typeface="MV Boli"/>
+        <a:font script="Deva" typeface="Mangal"/>
+        <a:font script="Telu" typeface="Gautami"/>
+        <a:font script="Taml" typeface="Latha"/>
+        <a:font script="Syrc" typeface="Estrangelo Edessa"/>
+        <a:font script="Orya" typeface="Kalinga"/>
+        <a:font script="Mlym" typeface="Kartika"/>
+        <a:font script="Laoo" typeface="DokChampa"/>
+        <a:font script="Sinh" typeface="Iskoola Pota"/>
+        <a:font script="Mong" typeface="Mongolian Baiti"/>
+        <a:font script="Viet" typeface="Arial"/>
+        <a:font script="Uigh" typeface="Microsoft Uighur"/>
+        <a:font script="Geor" typeface="Sylfaen"/>
+      </a:minorFont>
+    </a:fontScheme>
+    <a:fmtScheme name="Office">
+      <a:fillStyleLst>
+        <a:solidFill>
+          <a:schemeClr val="phClr"/>
+        </a:solidFill>
+        <a:gradFill rotWithShape="1">
+          <a:gsLst>
+            <a:gs pos="0">
+              <a:schemeClr val="phClr">
+                <a:lumMod val="110000"/>
+                <a:satMod val="105000"/>
+                <a:tint val="67000"/>
+              </a:schemeClr>
+            </a:gs>
+            <a:gs pos="50000">
+              <a:schemeClr val="phClr">
+                <a:lumMod val="105000"/>
+                <a:satMod val="103000"/>
+                <a:tint val="73000"/>
+              </a:schemeClr>
+            </a:gs>
+            <a:gs pos="100000">
+              <a:schemeClr val="phClr">
+                <a:lumMod val="105000"/>
+                <a:satMod val="109000"/>
+                <a:tint val="81000"/>
+              </a:schemeClr>
+            </a:gs>
+          </a:gsLst>
+          <a:lin ang="5400000" scaled="0"/>
+        </a:gradFill>
+        <a:gradFill rotWithShape="1">
+          <a:gsLst>
+            <a:gs pos="0">
+              <a:schemeClr val="phClr">
+                <a:satMod val="103000"/>
+                <a:lumMod val="102000"/>
+                <a:tint val="94000"/>
+              </a:schemeClr>
+            </a:gs>
+            <a:gs pos="50000">
+              <a:schemeClr val="phClr">
+                <a:satMod val="110000"/>
+                <a:lumMod val="100000"/>
+                <a:shade val="100000"/>
+              </a:schemeClr>
+            </a:gs>
+            <a:gs pos="100000">
+              <a:schemeClr val="phClr">
+                <a:lumMod val="99000"/>
+                <a:satMod val="120000"/>
+                <a:shade val="78000"/>
+              </a:schemeClr>
+            </a:gs>
+          </a:gsLst>
+          <a:lin ang="5400000" scaled="0"/>
+        </a:gradFill>
+      </a:fillStyleLst>
+      <a:lnStyleLst>
+        <a:ln w="6350" cap="flat" cmpd="sng" algn="ctr">
+          <a:solidFill>
+            <a:schemeClr val="phClr"/>
+          </a:solidFill>
+          <a:prstDash val="solid"/>
+          <a:miter lim="800000"/>
+        </a:ln>
+        <a:ln w="12700" cap="flat" cmpd="sng" algn="ctr">
+          <a:solidFill>
+            <a:schemeClr val="phClr"/>
+          </a:solidFill>
+          <a:prstDash val="solid"/>
+          <a:miter lim="800000"/>
+        </a:ln>
+        <a:ln w="19050" cap="flat" cmpd="sng" algn="ctr">
+          <a:solidFill>
+            <a:schemeClr val="phClr"/>
+          </a:solidFill>
+          <a:prstDash val="solid"/>
+          <a:miter lim="800000"/>
+        </a:ln>
+      </a:lnStyleLst>
+      <a:effectStyleLst>
+        <a:effectStyle>
+          <a:effectLst/>
+        </a:effectStyle>
+        <a:effectStyle>
+          <a:effectLst/>
+        </a:effectStyle>
+        <a:effectStyle>
+          <a:effectLst>
+            <a:outerShdw blurRad="57150" dist="19050" dir="5400000" algn="ctr" rotWithShape="0">
+              <a:srgbClr val="000000">
+                <a:alpha val="63000"/>
+              </a:srgbClr>
+            </a:outerShdw>
+          </a:effectLst>
+        </a:effectStyle>
+      </a:effectStyleLst>
+      <a:bgFillStyleLst>
+        <a:solidFill>
+          <a:schemeClr val="phClr"/>
+        </a:solidFill>
+        <a:solidFill>
+          <a:schemeClr val="phClr">
+            <a:tint val="95000"/>
+            <a:satMod val="170000"/>
+          </a:schemeClr>
+        </a:solidFill>
+        <a:gradFill rotWithShape="1">
+          <a:gsLst>
+            <a:gs pos="0">
+              <a:schemeClr val="phClr">
+                <a:tint val="93000"/>
+                <a:satMod val="150000"/>
+                <a:shade val="98000"/>
+                <a:lumMod val="102000"/>
+              </a:schemeClr>
+            </a:gs>
+            <a:gs pos="50000">
+              <a:schemeClr val="phClr">
+                <a:tint val="98000"/>
+                <a:satMod val="130000"/>
+                <a:shade val="90000"/>
+                <a:lumMod val="103000"/>
+              </a:schemeClr>
+            </a:gs>
+            <a:gs pos="100000">
+              <a:schemeClr val="phClr">
+                <a:shade val="63000"/>
+                <a:satMod val="120000"/>
+              </a:schemeClr>
+            </a:gs>
+          </a:gsLst>
+          <a:lin ang="5400000" scaled="0"/>
+        </a:gradFill>
+      </a:bgFillStyleLst>
+    </a:fmtScheme>
+  </a:themeElements>
+  <a:objectDefaults/>
+  <a:extraClrSchemeLst/>
+  <a:extLst>
+    <a:ext uri="{05A4C25C-085E-4340-85A3-A5531E510DB2}">
+      <thm15:themeFamily xmlns:thm15="http://schemas.microsoft.com/office/thememl/2012/main" name="Office Theme" id="{62F939B6-93AF-4DB8-9C6B-D6C7DFDC589F}" vid="{4A3C46E8-61CC-4603-A589-7422A47A8E4A}"/>
+    </a:ext>
+  </a:extLst>
+</a:theme>
 </file>
--- a/IMVC_Poster.pptx
+++ b/IMVC_Poster.pptx
@@ -3408,13 +3408,120 @@
       </p:grpSpPr>
       <p:sp>
         <p:nvSpPr>
+          <p:cNvPr id="31" name="Rectangle 30"/>
+          <p:cNvSpPr/>
+          <p:nvPr/>
+        </p:nvSpPr>
+        <p:spPr>
+          <a:xfrm>
+            <a:off x="0" y="619432"/>
+            <a:ext cx="32399287" cy="43200638"/>
+          </a:xfrm>
+          <a:prstGeom prst="rect">
+            <a:avLst/>
+          </a:prstGeom>
+          <a:solidFill>
+            <a:srgbClr val="80BAB7"/>
+          </a:solidFill>
+          <a:ln>
+            <a:noFill/>
+          </a:ln>
+        </p:spPr>
+        <p:style>
+          <a:lnRef idx="2">
+            <a:schemeClr val="accent1">
+              <a:shade val="50000"/>
+            </a:schemeClr>
+          </a:lnRef>
+          <a:fillRef idx="1">
+            <a:schemeClr val="accent1"/>
+          </a:fillRef>
+          <a:effectRef idx="0">
+            <a:schemeClr val="accent1"/>
+          </a:effectRef>
+          <a:fontRef idx="minor">
+            <a:schemeClr val="lt1"/>
+          </a:fontRef>
+        </p:style>
+        <p:txBody>
+          <a:bodyPr rtlCol="0" anchor="ctr"/>
+          <a:lstStyle/>
+          <a:p>
+            <a:pPr algn="ctr"/>
+            <a:endParaRPr lang="en-US"/>
+          </a:p>
+        </p:txBody>
+      </p:sp>
+      <p:sp>
+        <p:nvSpPr>
+          <p:cNvPr id="60" name="Rectangle 59"/>
+          <p:cNvSpPr/>
+          <p:nvPr/>
+        </p:nvSpPr>
+        <p:spPr>
+          <a:xfrm>
+            <a:off x="-1" y="-15"/>
+            <a:ext cx="32399287" cy="13516892"/>
+          </a:xfrm>
+          <a:prstGeom prst="rect">
+            <a:avLst/>
+          </a:prstGeom>
+          <a:gradFill flip="none" rotWithShape="1">
+            <a:gsLst>
+              <a:gs pos="0">
+                <a:srgbClr val="80BAB7"/>
+              </a:gs>
+              <a:gs pos="49000">
+                <a:srgbClr val="80BAB7">
+                  <a:tint val="44500"/>
+                  <a:satMod val="160000"/>
+                </a:srgbClr>
+              </a:gs>
+              <a:gs pos="84000">
+                <a:schemeClr val="bg1"/>
+              </a:gs>
+            </a:gsLst>
+            <a:lin ang="16200000" scaled="1"/>
+            <a:tileRect/>
+          </a:gradFill>
+          <a:ln>
+            <a:noFill/>
+          </a:ln>
+        </p:spPr>
+        <p:style>
+          <a:lnRef idx="2">
+            <a:schemeClr val="accent1">
+              <a:shade val="50000"/>
+            </a:schemeClr>
+          </a:lnRef>
+          <a:fillRef idx="1">
+            <a:schemeClr val="accent1"/>
+          </a:fillRef>
+          <a:effectRef idx="0">
+            <a:schemeClr val="accent1"/>
+          </a:effectRef>
+          <a:fontRef idx="minor">
+            <a:schemeClr val="lt1"/>
+          </a:fontRef>
+        </p:style>
+        <p:txBody>
+          <a:bodyPr rtlCol="0" anchor="ctr"/>
+          <a:lstStyle/>
+          <a:p>
+            <a:pPr algn="ctr"/>
+            <a:endParaRPr lang="en-US"/>
+          </a:p>
+        </p:txBody>
+      </p:sp>
+      <p:sp>
+        <p:nvSpPr>
           <p:cNvPr id="4" name="TextBox 3"/>
           <p:cNvSpPr txBox="1"/>
           <p:nvPr/>
         </p:nvSpPr>
         <p:spPr>
           <a:xfrm>
-            <a:off x="5854842" y="789061"/>
+            <a:off x="5554756" y="539368"/>
             <a:ext cx="20924016" cy="5740033"/>
           </a:xfrm>
           <a:prstGeom prst="rect">
@@ -3726,14 +3833,18 @@
         </p:nvSpPr>
         <p:spPr>
           <a:xfrm>
-            <a:off x="0" y="6583682"/>
-            <a:ext cx="15849600" cy="8969828"/>
+            <a:off x="655223" y="6797319"/>
+            <a:ext cx="14521708" cy="9586950"/>
           </a:xfrm>
           <a:prstGeom prst="rect">
             <a:avLst/>
           </a:prstGeom>
-          <a:noFill/>
-          <a:ln w="76200"/>
+          <a:solidFill>
+            <a:srgbClr val="F9DFC0"/>
+          </a:solidFill>
+          <a:ln w="76200">
+            <a:noFill/>
+          </a:ln>
         </p:spPr>
         <p:style>
           <a:lnRef idx="2">
@@ -3832,14 +3943,18 @@
         </p:nvSpPr>
         <p:spPr>
           <a:xfrm>
-            <a:off x="15849600" y="6583681"/>
-            <a:ext cx="16549688" cy="8969829"/>
+            <a:off x="15775567" y="6912930"/>
+            <a:ext cx="16288346" cy="9495787"/>
           </a:xfrm>
           <a:prstGeom prst="rect">
             <a:avLst/>
           </a:prstGeom>
-          <a:noFill/>
-          <a:ln w="76200"/>
+          <a:solidFill>
+            <a:srgbClr val="F9DFC0"/>
+          </a:solidFill>
+          <a:ln w="76200">
+            <a:noFill/>
+          </a:ln>
         </p:spPr>
         <p:style>
           <a:lnRef idx="2">
@@ -3861,29 +3976,14 @@
           </a:bodyPr>
           <a:lstStyle/>
           <a:p>
-            <a:pPr>
+            <a:pPr algn="just">
               <a:lnSpc>
                 <a:spcPct val="150000"/>
               </a:lnSpc>
             </a:pPr>
-            <a:r>
-              <a:rPr lang="en-US" sz="5400" b="1" dirty="0" smtClean="0">
-                <a:solidFill>
-                  <a:schemeClr val="accent5">
-                    <a:lumMod val="50000"/>
-                  </a:schemeClr>
-                </a:solidFill>
-                <a:latin typeface="Avenir Light" charset="0"/>
-                <a:ea typeface="Avenir Light" charset="0"/>
-                <a:cs typeface="Avenir Light" charset="0"/>
-              </a:rPr>
-              <a:t>REQUIREMENTS</a:t>
-            </a:r>
-            <a:endParaRPr lang="en-US" sz="5400" b="1" dirty="0">
+            <a:endParaRPr lang="en-US" sz="4000" dirty="0" smtClean="0">
               <a:solidFill>
-                <a:schemeClr val="accent5">
-                  <a:lumMod val="50000"/>
-                </a:schemeClr>
+                <a:sysClr val="windowText" lastClr="000000"/>
               </a:solidFill>
               <a:latin typeface="Avenir Light" charset="0"/>
               <a:ea typeface="Avenir Light" charset="0"/>
@@ -3924,7 +4024,18 @@
                 <a:ea typeface="Avenir Heavy" charset="0"/>
                 <a:cs typeface="Avenir Heavy" charset="0"/>
               </a:rPr>
-              <a:t>Detecting and Tracking </a:t>
+              <a:t>Detecting </a:t>
+            </a:r>
+            <a:r>
+              <a:rPr lang="en-US" sz="4000" b="1" dirty="0" smtClean="0">
+                <a:solidFill>
+                  <a:sysClr val="windowText" lastClr="000000"/>
+                </a:solidFill>
+                <a:latin typeface="Avenir Heavy" charset="0"/>
+                <a:ea typeface="Avenir Heavy" charset="0"/>
+                <a:cs typeface="Avenir Heavy" charset="0"/>
+              </a:rPr>
+              <a:t>and Tracking </a:t>
             </a:r>
             <a:r>
               <a:rPr lang="en-US" sz="4000" dirty="0" smtClean="0">
@@ -4034,14 +4145,18 @@
         </p:nvSpPr>
         <p:spPr>
           <a:xfrm>
-            <a:off x="0" y="15553510"/>
-            <a:ext cx="15849600" cy="12511117"/>
+            <a:off x="655223" y="17043569"/>
+            <a:ext cx="14521708" cy="12280285"/>
           </a:xfrm>
           <a:prstGeom prst="rect">
             <a:avLst/>
           </a:prstGeom>
-          <a:noFill/>
-          <a:ln w="76200"/>
+          <a:solidFill>
+            <a:srgbClr val="F9DFC0"/>
+          </a:solidFill>
+          <a:ln w="76200">
+            <a:noFill/>
+          </a:ln>
         </p:spPr>
         <p:style>
           <a:lnRef idx="2">
@@ -4068,58 +4183,6 @@
                 <a:spcPct val="150000"/>
               </a:lnSpc>
             </a:pPr>
-            <a:r>
-              <a:rPr lang="en-US" sz="5400" b="1" dirty="0">
-                <a:solidFill>
-                  <a:schemeClr val="accent5">
-                    <a:lumMod val="50000"/>
-                  </a:schemeClr>
-                </a:solidFill>
-                <a:latin typeface="Avenir Light" charset="0"/>
-                <a:ea typeface="Avenir Light" charset="0"/>
-                <a:cs typeface="Avenir Light" charset="0"/>
-              </a:rPr>
-              <a:t>TECHNICAL CHALLANGES</a:t>
-            </a:r>
-            <a:endParaRPr lang="en-US" sz="5400" b="1" dirty="0">
-              <a:solidFill>
-                <a:schemeClr val="accent5">
-                  <a:lumMod val="50000"/>
-                </a:schemeClr>
-              </a:solidFill>
-              <a:latin typeface="Avenir Light" charset="0"/>
-              <a:ea typeface="Avenir Light" charset="0"/>
-              <a:cs typeface="Avenir Light" charset="0"/>
-            </a:endParaRPr>
-          </a:p>
-          <a:p>
-            <a:pPr>
-              <a:lnSpc>
-                <a:spcPct val="150000"/>
-              </a:lnSpc>
-            </a:pPr>
-            <a:r>
-              <a:rPr lang="en-US" sz="4400" i="1" dirty="0" smtClean="0">
-                <a:solidFill>
-                  <a:sysClr val="windowText" lastClr="000000"/>
-                </a:solidFill>
-                <a:latin typeface="Avenir Light" charset="0"/>
-                <a:ea typeface="Avenir Light" charset="0"/>
-                <a:cs typeface="Avenir Light" charset="0"/>
-              </a:rPr>
-              <a:t>Maximizing Frames per Second to allow Live </a:t>
-            </a:r>
-            <a:r>
-              <a:rPr lang="en-US" sz="4400" i="1" dirty="0" smtClean="0">
-                <a:solidFill>
-                  <a:sysClr val="windowText" lastClr="000000"/>
-                </a:solidFill>
-                <a:latin typeface="Avenir Light" charset="0"/>
-                <a:ea typeface="Avenir Light" charset="0"/>
-                <a:cs typeface="Avenir Light" charset="0"/>
-              </a:rPr>
-              <a:t>play.</a:t>
-            </a:r>
             <a:endParaRPr lang="en-US" sz="4400" i="1" dirty="0" smtClean="0">
               <a:solidFill>
                 <a:sysClr val="windowText" lastClr="000000"/>
@@ -4136,6 +4199,54 @@
               </a:lnSpc>
             </a:pPr>
             <a:r>
+              <a:rPr lang="en-US" sz="4400" i="1" dirty="0" smtClean="0">
+                <a:solidFill>
+                  <a:sysClr val="windowText" lastClr="000000"/>
+                </a:solidFill>
+                <a:latin typeface="Avenir Light" charset="0"/>
+                <a:ea typeface="Avenir Light" charset="0"/>
+                <a:cs typeface="Avenir Light" charset="0"/>
+              </a:rPr>
+              <a:t>Maximizing </a:t>
+            </a:r>
+            <a:r>
+              <a:rPr lang="en-US" sz="4400" i="1" dirty="0" smtClean="0">
+                <a:solidFill>
+                  <a:sysClr val="windowText" lastClr="000000"/>
+                </a:solidFill>
+                <a:latin typeface="Avenir Light" charset="0"/>
+                <a:ea typeface="Avenir Light" charset="0"/>
+                <a:cs typeface="Avenir Light" charset="0"/>
+              </a:rPr>
+              <a:t>Frames per Second to allow Live </a:t>
+            </a:r>
+            <a:r>
+              <a:rPr lang="en-US" sz="4400" i="1" dirty="0" smtClean="0">
+                <a:solidFill>
+                  <a:sysClr val="windowText" lastClr="000000"/>
+                </a:solidFill>
+                <a:latin typeface="Avenir Light" charset="0"/>
+                <a:ea typeface="Avenir Light" charset="0"/>
+                <a:cs typeface="Avenir Light" charset="0"/>
+              </a:rPr>
+              <a:t>play.</a:t>
+            </a:r>
+            <a:endParaRPr lang="en-US" sz="4400" i="1" dirty="0" smtClean="0">
+              <a:solidFill>
+                <a:sysClr val="windowText" lastClr="000000"/>
+              </a:solidFill>
+              <a:latin typeface="Avenir Light" charset="0"/>
+              <a:ea typeface="Avenir Light" charset="0"/>
+              <a:cs typeface="Avenir Light" charset="0"/>
+            </a:endParaRPr>
+          </a:p>
+          <a:p>
+            <a:pPr>
+              <a:lnSpc>
+                <a:spcPct val="150000"/>
+              </a:lnSpc>
+            </a:pPr>
+            <a:r>
               <a:rPr lang="en-US" sz="4000" dirty="0" smtClean="0">
                 <a:solidFill>
                   <a:sysClr val="windowText" lastClr="000000"/>
@@ -4289,17 +4400,19 @@
                 <a:ea typeface="Avenir Light" charset="0"/>
                 <a:cs typeface="Avenir Light" charset="0"/>
               </a:rPr>
-              <a:t> Image acquisition rate constrained by the cameras, and image processing rate constrained by the computer and chosen implementation.</a:t>
-            </a:r>
-          </a:p>
-          <a:p>
-            <a:pPr marL="914400" indent="-914400">
-              <a:lnSpc>
-                <a:spcPct val="150000"/>
-              </a:lnSpc>
-              <a:buFont typeface="+mj-lt"/>
-              <a:buAutoNum type="arabicPeriod"/>
-            </a:pPr>
+              <a:t> Image acquisition rate constrained by the cameras, and image processing rate constrained by the computer and chosen implementation</a:t>
+            </a:r>
+            <a:r>
+              <a:rPr lang="en-US" sz="4000" dirty="0" smtClean="0">
+                <a:solidFill>
+                  <a:sysClr val="windowText" lastClr="000000"/>
+                </a:solidFill>
+                <a:latin typeface="Avenir Light" charset="0"/>
+                <a:ea typeface="Avenir Light" charset="0"/>
+                <a:cs typeface="Avenir Light" charset="0"/>
+              </a:rPr>
+              <a:t>.</a:t>
+            </a:r>
             <a:endParaRPr lang="en-US" sz="4000" dirty="0" smtClean="0">
               <a:solidFill>
                 <a:sysClr val="windowText" lastClr="000000"/>
@@ -4319,14 +4432,18 @@
         </p:nvSpPr>
         <p:spPr>
           <a:xfrm>
-            <a:off x="15849600" y="15553510"/>
-            <a:ext cx="16549688" cy="12511117"/>
+            <a:off x="15764135" y="17043555"/>
+            <a:ext cx="16288346" cy="12278076"/>
           </a:xfrm>
           <a:prstGeom prst="rect">
             <a:avLst/>
           </a:prstGeom>
-          <a:noFill/>
-          <a:ln w="76200"/>
+          <a:solidFill>
+            <a:srgbClr val="F9DFC0"/>
+          </a:solidFill>
+          <a:ln w="76200">
+            <a:noFill/>
+          </a:ln>
         </p:spPr>
         <p:style>
           <a:lnRef idx="2">
@@ -4353,19 +4470,16 @@
                 <a:spcPct val="150000"/>
               </a:lnSpc>
             </a:pPr>
-            <a:r>
-              <a:rPr lang="en-US" sz="5400" b="1" dirty="0">
-                <a:solidFill>
-                  <a:schemeClr val="accent5">
-                    <a:lumMod val="50000"/>
-                  </a:schemeClr>
-                </a:solidFill>
-                <a:latin typeface="Avenir Light" charset="0"/>
-                <a:ea typeface="Avenir Light" charset="0"/>
-                <a:cs typeface="Avenir Light" charset="0"/>
-              </a:rPr>
-              <a:t>SOLUTIONS</a:t>
-            </a:r>
+            <a:endParaRPr lang="en-US" sz="5400" b="1" dirty="0" smtClean="0">
+              <a:solidFill>
+                <a:schemeClr val="accent5">
+                  <a:lumMod val="50000"/>
+                </a:schemeClr>
+              </a:solidFill>
+              <a:latin typeface="Avenir Light" charset="0"/>
+              <a:ea typeface="Avenir Light" charset="0"/>
+              <a:cs typeface="Avenir Light" charset="0"/>
+            </a:endParaRPr>
           </a:p>
           <a:p>
             <a:pPr algn="just">
@@ -4382,7 +4496,18 @@
                 <a:ea typeface="Avenir Light" charset="0"/>
                 <a:cs typeface="Avenir Light" charset="0"/>
               </a:rPr>
-              <a:t>We chose to tackle some of the challenges by the following optimizations:</a:t>
+              <a:t>We </a:t>
+            </a:r>
+            <a:r>
+              <a:rPr lang="en-US" sz="4000" dirty="0" smtClean="0">
+                <a:solidFill>
+                  <a:sysClr val="windowText" lastClr="000000"/>
+                </a:solidFill>
+                <a:latin typeface="Avenir Light" charset="0"/>
+                <a:ea typeface="Avenir Light" charset="0"/>
+                <a:cs typeface="Avenir Light" charset="0"/>
+              </a:rPr>
+              <a:t>chose to tackle some of the challenges by the following optimizations:</a:t>
             </a:r>
           </a:p>
           <a:p>
@@ -4965,50 +5090,47 @@
       </mc:AlternateContent>
       <p:sp>
         <p:nvSpPr>
-          <p:cNvPr id="11" name="TextBox 10"/>
-          <p:cNvSpPr txBox="1"/>
+          <p:cNvPr id="61" name="Rectangle 60"/>
+          <p:cNvSpPr/>
           <p:nvPr/>
         </p:nvSpPr>
         <p:spPr>
           <a:xfrm>
-            <a:off x="5854842" y="28425624"/>
-            <a:ext cx="20924016" cy="1631216"/>
+            <a:off x="510029" y="29597006"/>
+            <a:ext cx="31381088" cy="13140174"/>
           </a:xfrm>
           <a:prstGeom prst="rect">
             <a:avLst/>
           </a:prstGeom>
-          <a:noFill/>
+          <a:solidFill>
+            <a:srgbClr val="F9DFC0"/>
+          </a:solidFill>
+          <a:ln>
+            <a:noFill/>
+          </a:ln>
         </p:spPr>
-        <p:txBody>
-          <a:bodyPr wrap="square" rtlCol="0">
-            <a:spAutoFit/>
-          </a:bodyPr>
+        <p:style>
+          <a:lnRef idx="2">
+            <a:schemeClr val="accent1">
+              <a:shade val="50000"/>
+            </a:schemeClr>
+          </a:lnRef>
+          <a:fillRef idx="1">
+            <a:schemeClr val="accent1"/>
+          </a:fillRef>
+          <a:effectRef idx="0">
+            <a:schemeClr val="accent1"/>
+          </a:effectRef>
+          <a:fontRef idx="minor">
+            <a:schemeClr val="lt1"/>
+          </a:fontRef>
+        </p:style>
+        <p:txBody>
+          <a:bodyPr rtlCol="0" anchor="ctr"/>
           <a:lstStyle/>
           <a:p>
             <a:pPr algn="ctr"/>
-            <a:r>
-              <a:rPr lang="en-US" sz="10000" b="1" dirty="0" smtClean="0">
-                <a:solidFill>
-                  <a:schemeClr val="accent5">
-                    <a:lumMod val="50000"/>
-                  </a:schemeClr>
-                </a:solidFill>
-                <a:latin typeface="Avenir Light" charset="0"/>
-                <a:ea typeface="Avenir Light" charset="0"/>
-                <a:cs typeface="Avenir Light" charset="0"/>
-              </a:rPr>
-              <a:t>The System</a:t>
-            </a:r>
-            <a:endParaRPr lang="en-US" sz="10000" b="1" dirty="0">
-              <a:solidFill>
-                <a:schemeClr val="accent5">
-                  <a:lumMod val="50000"/>
-                </a:schemeClr>
-              </a:solidFill>
-              <a:latin typeface="Avenir Light" charset="0"/>
-              <a:ea typeface="Avenir Light" charset="0"/>
-              <a:cs typeface="Avenir Light" charset="0"/>
-            </a:endParaRPr>
+            <a:endParaRPr lang="en-US"/>
           </a:p>
         </p:txBody>
       </p:sp>
@@ -5052,7 +5174,7 @@
         </p:blipFill>
         <p:spPr>
           <a:xfrm>
-            <a:off x="701537" y="29819916"/>
+            <a:off x="975224" y="31168519"/>
             <a:ext cx="30773426" cy="7659761"/>
           </a:xfrm>
           <a:prstGeom prst="rect">
@@ -5076,7 +5198,7 @@
         </p:blipFill>
         <p:spPr>
           <a:xfrm>
-            <a:off x="3819355" y="40398873"/>
+            <a:off x="4266720" y="39779804"/>
             <a:ext cx="7235537" cy="1805490"/>
           </a:xfrm>
           <a:prstGeom prst="rect">
@@ -5092,7 +5214,7 @@
         </p:nvCxnSpPr>
         <p:spPr>
           <a:xfrm>
-            <a:off x="7437124" y="37335373"/>
+            <a:off x="7826888" y="38820487"/>
             <a:ext cx="0" cy="858667"/>
           </a:xfrm>
           <a:prstGeom prst="line">
@@ -5128,7 +5250,7 @@
         </p:nvSpPr>
         <p:spPr>
           <a:xfrm>
-            <a:off x="14853664" y="35685771"/>
+            <a:off x="14990572" y="37103312"/>
             <a:ext cx="7606506" cy="2554545"/>
           </a:xfrm>
           <a:prstGeom prst="rect">
@@ -5166,7 +5288,7 @@
         </p:nvCxnSpPr>
         <p:spPr>
           <a:xfrm>
-            <a:off x="18656917" y="33276285"/>
+            <a:off x="18793825" y="34693826"/>
             <a:ext cx="0" cy="2409486"/>
           </a:xfrm>
           <a:prstGeom prst="line">
@@ -5202,7 +5324,7 @@
         </p:nvSpPr>
         <p:spPr>
           <a:xfrm>
-            <a:off x="23922012" y="35582564"/>
+            <a:off x="24161394" y="37037616"/>
             <a:ext cx="7606506" cy="3046988"/>
           </a:xfrm>
           <a:prstGeom prst="rect">
@@ -5254,7 +5376,7 @@
         </p:nvCxnSpPr>
         <p:spPr>
           <a:xfrm flipH="1">
-            <a:off x="29607641" y="33015423"/>
+            <a:off x="29847023" y="34470475"/>
             <a:ext cx="9486" cy="2330867"/>
           </a:xfrm>
           <a:prstGeom prst="line">
@@ -5282,6 +5404,1301 @@
           </a:fontRef>
         </p:style>
       </p:cxnSp>
+      <p:pic>
+        <p:nvPicPr>
+          <p:cNvPr id="32" name="Picture 31"/>
+          <p:cNvPicPr>
+            <a:picLocks noChangeAspect="1"/>
+          </p:cNvPicPr>
+          <p:nvPr/>
+        </p:nvPicPr>
+        <p:blipFill>
+          <a:blip r:embed="rId7"/>
+          <a:stretch>
+            <a:fillRect/>
+          </a:stretch>
+        </p:blipFill>
+        <p:spPr>
+          <a:xfrm>
+            <a:off x="-13666648" y="11068595"/>
+            <a:ext cx="4330700" cy="2933700"/>
+          </a:xfrm>
+          <a:prstGeom prst="rect">
+            <a:avLst/>
+          </a:prstGeom>
+        </p:spPr>
+      </p:pic>
+      <p:grpSp>
+        <p:nvGrpSpPr>
+          <p:cNvPr id="42" name="Group 41"/>
+          <p:cNvGrpSpPr/>
+          <p:nvPr/>
+        </p:nvGrpSpPr>
+        <p:grpSpPr>
+          <a:xfrm>
+            <a:off x="319958" y="6444298"/>
+            <a:ext cx="7506930" cy="1819266"/>
+            <a:chOff x="257068" y="6467742"/>
+            <a:chExt cx="7506930" cy="1819266"/>
+          </a:xfrm>
+        </p:grpSpPr>
+        <p:sp>
+          <p:nvSpPr>
+            <p:cNvPr id="39" name="Freeform 38"/>
+            <p:cNvSpPr/>
+            <p:nvPr/>
+          </p:nvSpPr>
+          <p:spPr>
+            <a:xfrm>
+              <a:off x="257068" y="7816159"/>
+              <a:ext cx="335560" cy="470849"/>
+            </a:xfrm>
+            <a:custGeom>
+              <a:avLst/>
+              <a:gdLst>
+                <a:gd name="connsiteX0" fmla="*/ 0 w 309716"/>
+                <a:gd name="connsiteY0" fmla="*/ 0 h 309716"/>
+                <a:gd name="connsiteX1" fmla="*/ 309716 w 309716"/>
+                <a:gd name="connsiteY1" fmla="*/ 309716 h 309716"/>
+                <a:gd name="connsiteX2" fmla="*/ 294968 w 309716"/>
+                <a:gd name="connsiteY2" fmla="*/ 0 h 309716"/>
+                <a:gd name="connsiteX3" fmla="*/ 0 w 309716"/>
+                <a:gd name="connsiteY3" fmla="*/ 0 h 309716"/>
+              </a:gdLst>
+              <a:ahLst/>
+              <a:cxnLst>
+                <a:cxn ang="0">
+                  <a:pos x="connsiteX0" y="connsiteY0"/>
+                </a:cxn>
+                <a:cxn ang="0">
+                  <a:pos x="connsiteX1" y="connsiteY1"/>
+                </a:cxn>
+                <a:cxn ang="0">
+                  <a:pos x="connsiteX2" y="connsiteY2"/>
+                </a:cxn>
+                <a:cxn ang="0">
+                  <a:pos x="connsiteX3" y="connsiteY3"/>
+                </a:cxn>
+              </a:cxnLst>
+              <a:rect l="l" t="t" r="r" b="b"/>
+              <a:pathLst>
+                <a:path w="309716" h="309716">
+                  <a:moveTo>
+                    <a:pt x="0" y="0"/>
+                  </a:moveTo>
+                  <a:lnTo>
+                    <a:pt x="309716" y="309716"/>
+                  </a:lnTo>
+                  <a:lnTo>
+                    <a:pt x="294968" y="0"/>
+                  </a:lnTo>
+                  <a:lnTo>
+                    <a:pt x="0" y="0"/>
+                  </a:lnTo>
+                  <a:close/>
+                </a:path>
+              </a:pathLst>
+            </a:custGeom>
+            <a:solidFill>
+              <a:srgbClr val="746C66"/>
+            </a:solidFill>
+            <a:ln>
+              <a:noFill/>
+            </a:ln>
+          </p:spPr>
+          <p:style>
+            <a:lnRef idx="2">
+              <a:schemeClr val="accent1">
+                <a:shade val="50000"/>
+              </a:schemeClr>
+            </a:lnRef>
+            <a:fillRef idx="1">
+              <a:schemeClr val="accent1"/>
+            </a:fillRef>
+            <a:effectRef idx="0">
+              <a:schemeClr val="accent1"/>
+            </a:effectRef>
+            <a:fontRef idx="minor">
+              <a:schemeClr val="lt1"/>
+            </a:fontRef>
+          </p:style>
+          <p:txBody>
+            <a:bodyPr rtlCol="0" anchor="ctr"/>
+            <a:lstStyle/>
+            <a:p>
+              <a:pPr algn="ctr"/>
+              <a:endParaRPr lang="en-US"/>
+            </a:p>
+          </p:txBody>
+        </p:sp>
+        <p:grpSp>
+          <p:nvGrpSpPr>
+            <p:cNvPr id="37" name="Group 36"/>
+            <p:cNvGrpSpPr/>
+            <p:nvPr/>
+          </p:nvGrpSpPr>
+          <p:grpSpPr>
+            <a:xfrm>
+              <a:off x="257068" y="6467742"/>
+              <a:ext cx="7506930" cy="1358806"/>
+              <a:chOff x="-1024211" y="6787632"/>
+              <a:chExt cx="9460289" cy="2057618"/>
+            </a:xfrm>
+          </p:grpSpPr>
+          <p:sp>
+            <p:nvSpPr>
+              <p:cNvPr id="35" name="Chevron 34"/>
+              <p:cNvSpPr/>
+              <p:nvPr/>
+            </p:nvSpPr>
+            <p:spPr>
+              <a:xfrm rot="10800000">
+                <a:off x="4555724" y="6787632"/>
+                <a:ext cx="3880354" cy="2057595"/>
+              </a:xfrm>
+              <a:prstGeom prst="chevron">
+                <a:avLst/>
+              </a:prstGeom>
+              <a:solidFill>
+                <a:srgbClr val="EF766A"/>
+              </a:solidFill>
+              <a:ln>
+                <a:noFill/>
+              </a:ln>
+            </p:spPr>
+            <p:style>
+              <a:lnRef idx="2">
+                <a:schemeClr val="accent1">
+                  <a:shade val="50000"/>
+                </a:schemeClr>
+              </a:lnRef>
+              <a:fillRef idx="1">
+                <a:schemeClr val="accent1"/>
+              </a:fillRef>
+              <a:effectRef idx="0">
+                <a:schemeClr val="accent1"/>
+              </a:effectRef>
+              <a:fontRef idx="minor">
+                <a:schemeClr val="lt1"/>
+              </a:fontRef>
+            </p:style>
+            <p:txBody>
+              <a:bodyPr rtlCol="0" anchor="ctr"/>
+              <a:lstStyle/>
+              <a:p>
+                <a:pPr algn="ctr"/>
+                <a:endParaRPr lang="en-US">
+                  <a:solidFill>
+                    <a:schemeClr val="tx1"/>
+                  </a:solidFill>
+                </a:endParaRPr>
+              </a:p>
+            </p:txBody>
+          </p:sp>
+          <p:sp>
+            <p:nvSpPr>
+              <p:cNvPr id="34" name="Rectangle 33"/>
+              <p:cNvSpPr/>
+              <p:nvPr/>
+            </p:nvSpPr>
+            <p:spPr>
+              <a:xfrm>
+                <a:off x="-1024211" y="6787650"/>
+                <a:ext cx="7290841" cy="2057600"/>
+              </a:xfrm>
+              <a:prstGeom prst="rect">
+                <a:avLst/>
+              </a:prstGeom>
+              <a:solidFill>
+                <a:srgbClr val="EF766A"/>
+              </a:solidFill>
+              <a:ln>
+                <a:noFill/>
+              </a:ln>
+            </p:spPr>
+            <p:style>
+              <a:lnRef idx="2">
+                <a:schemeClr val="accent1">
+                  <a:shade val="50000"/>
+                </a:schemeClr>
+              </a:lnRef>
+              <a:fillRef idx="1">
+                <a:schemeClr val="accent1"/>
+              </a:fillRef>
+              <a:effectRef idx="0">
+                <a:schemeClr val="accent1"/>
+              </a:effectRef>
+              <a:fontRef idx="minor">
+                <a:schemeClr val="lt1"/>
+              </a:fontRef>
+            </p:style>
+            <p:txBody>
+              <a:bodyPr rtlCol="0" anchor="ctr"/>
+              <a:lstStyle/>
+              <a:p>
+                <a:pPr algn="ctr"/>
+                <a:r>
+                  <a:rPr lang="en-US" sz="6600" b="1" dirty="0" smtClean="0">
+                    <a:solidFill>
+                      <a:schemeClr val="accent5">
+                        <a:lumMod val="50000"/>
+                      </a:schemeClr>
+                    </a:solidFill>
+                    <a:latin typeface="Avenir Light" charset="0"/>
+                    <a:ea typeface="Avenir Light" charset="0"/>
+                    <a:cs typeface="Avenir Light" charset="0"/>
+                  </a:rPr>
+                  <a:t>Background</a:t>
+                </a:r>
+                <a:endParaRPr lang="en-US" sz="6600" b="1" dirty="0">
+                  <a:solidFill>
+                    <a:schemeClr val="accent5">
+                      <a:lumMod val="50000"/>
+                    </a:schemeClr>
+                  </a:solidFill>
+                  <a:latin typeface="Avenir Light" charset="0"/>
+                  <a:ea typeface="Avenir Light" charset="0"/>
+                  <a:cs typeface="Avenir Light" charset="0"/>
+                </a:endParaRPr>
+              </a:p>
+            </p:txBody>
+          </p:sp>
+        </p:grpSp>
+      </p:grpSp>
+      <p:grpSp>
+        <p:nvGrpSpPr>
+          <p:cNvPr id="44" name="Group 43"/>
+          <p:cNvGrpSpPr/>
+          <p:nvPr/>
+        </p:nvGrpSpPr>
+        <p:grpSpPr>
+          <a:xfrm>
+            <a:off x="15434716" y="6443929"/>
+            <a:ext cx="7506930" cy="1819266"/>
+            <a:chOff x="257068" y="6467742"/>
+            <a:chExt cx="7506930" cy="1819266"/>
+          </a:xfrm>
+        </p:grpSpPr>
+        <p:sp>
+          <p:nvSpPr>
+            <p:cNvPr id="45" name="Freeform 44"/>
+            <p:cNvSpPr/>
+            <p:nvPr/>
+          </p:nvSpPr>
+          <p:spPr>
+            <a:xfrm>
+              <a:off x="257068" y="7816159"/>
+              <a:ext cx="335560" cy="470849"/>
+            </a:xfrm>
+            <a:custGeom>
+              <a:avLst/>
+              <a:gdLst>
+                <a:gd name="connsiteX0" fmla="*/ 0 w 309716"/>
+                <a:gd name="connsiteY0" fmla="*/ 0 h 309716"/>
+                <a:gd name="connsiteX1" fmla="*/ 309716 w 309716"/>
+                <a:gd name="connsiteY1" fmla="*/ 309716 h 309716"/>
+                <a:gd name="connsiteX2" fmla="*/ 294968 w 309716"/>
+                <a:gd name="connsiteY2" fmla="*/ 0 h 309716"/>
+                <a:gd name="connsiteX3" fmla="*/ 0 w 309716"/>
+                <a:gd name="connsiteY3" fmla="*/ 0 h 309716"/>
+              </a:gdLst>
+              <a:ahLst/>
+              <a:cxnLst>
+                <a:cxn ang="0">
+                  <a:pos x="connsiteX0" y="connsiteY0"/>
+                </a:cxn>
+                <a:cxn ang="0">
+                  <a:pos x="connsiteX1" y="connsiteY1"/>
+                </a:cxn>
+                <a:cxn ang="0">
+                  <a:pos x="connsiteX2" y="connsiteY2"/>
+                </a:cxn>
+                <a:cxn ang="0">
+                  <a:pos x="connsiteX3" y="connsiteY3"/>
+                </a:cxn>
+              </a:cxnLst>
+              <a:rect l="l" t="t" r="r" b="b"/>
+              <a:pathLst>
+                <a:path w="309716" h="309716">
+                  <a:moveTo>
+                    <a:pt x="0" y="0"/>
+                  </a:moveTo>
+                  <a:lnTo>
+                    <a:pt x="309716" y="309716"/>
+                  </a:lnTo>
+                  <a:lnTo>
+                    <a:pt x="294968" y="0"/>
+                  </a:lnTo>
+                  <a:lnTo>
+                    <a:pt x="0" y="0"/>
+                  </a:lnTo>
+                  <a:close/>
+                </a:path>
+              </a:pathLst>
+            </a:custGeom>
+            <a:solidFill>
+              <a:srgbClr val="746C66"/>
+            </a:solidFill>
+            <a:ln>
+              <a:noFill/>
+            </a:ln>
+          </p:spPr>
+          <p:style>
+            <a:lnRef idx="2">
+              <a:schemeClr val="accent1">
+                <a:shade val="50000"/>
+              </a:schemeClr>
+            </a:lnRef>
+            <a:fillRef idx="1">
+              <a:schemeClr val="accent1"/>
+            </a:fillRef>
+            <a:effectRef idx="0">
+              <a:schemeClr val="accent1"/>
+            </a:effectRef>
+            <a:fontRef idx="minor">
+              <a:schemeClr val="lt1"/>
+            </a:fontRef>
+          </p:style>
+          <p:txBody>
+            <a:bodyPr rtlCol="0" anchor="ctr"/>
+            <a:lstStyle/>
+            <a:p>
+              <a:pPr algn="ctr"/>
+              <a:endParaRPr lang="en-US"/>
+            </a:p>
+          </p:txBody>
+        </p:sp>
+        <p:grpSp>
+          <p:nvGrpSpPr>
+            <p:cNvPr id="46" name="Group 45"/>
+            <p:cNvGrpSpPr/>
+            <p:nvPr/>
+          </p:nvGrpSpPr>
+          <p:grpSpPr>
+            <a:xfrm>
+              <a:off x="257068" y="6467742"/>
+              <a:ext cx="7506930" cy="1358806"/>
+              <a:chOff x="-1024211" y="6787632"/>
+              <a:chExt cx="9460289" cy="2057618"/>
+            </a:xfrm>
+          </p:grpSpPr>
+          <p:sp>
+            <p:nvSpPr>
+              <p:cNvPr id="47" name="Chevron 46"/>
+              <p:cNvSpPr/>
+              <p:nvPr/>
+            </p:nvSpPr>
+            <p:spPr>
+              <a:xfrm rot="10800000">
+                <a:off x="4555724" y="6787632"/>
+                <a:ext cx="3880354" cy="2057595"/>
+              </a:xfrm>
+              <a:prstGeom prst="chevron">
+                <a:avLst/>
+              </a:prstGeom>
+              <a:solidFill>
+                <a:srgbClr val="EF766A"/>
+              </a:solidFill>
+              <a:ln>
+                <a:noFill/>
+              </a:ln>
+            </p:spPr>
+            <p:style>
+              <a:lnRef idx="2">
+                <a:schemeClr val="accent1">
+                  <a:shade val="50000"/>
+                </a:schemeClr>
+              </a:lnRef>
+              <a:fillRef idx="1">
+                <a:schemeClr val="accent1"/>
+              </a:fillRef>
+              <a:effectRef idx="0">
+                <a:schemeClr val="accent1"/>
+              </a:effectRef>
+              <a:fontRef idx="minor">
+                <a:schemeClr val="lt1"/>
+              </a:fontRef>
+            </p:style>
+            <p:txBody>
+              <a:bodyPr rtlCol="0" anchor="ctr"/>
+              <a:lstStyle/>
+              <a:p>
+                <a:pPr algn="ctr"/>
+                <a:endParaRPr lang="en-US">
+                  <a:solidFill>
+                    <a:schemeClr val="tx1"/>
+                  </a:solidFill>
+                </a:endParaRPr>
+              </a:p>
+            </p:txBody>
+          </p:sp>
+          <p:sp>
+            <p:nvSpPr>
+              <p:cNvPr id="48" name="Rectangle 47"/>
+              <p:cNvSpPr/>
+              <p:nvPr/>
+            </p:nvSpPr>
+            <p:spPr>
+              <a:xfrm>
+                <a:off x="-1024211" y="6787650"/>
+                <a:ext cx="8075489" cy="2057600"/>
+              </a:xfrm>
+              <a:prstGeom prst="rect">
+                <a:avLst/>
+              </a:prstGeom>
+              <a:solidFill>
+                <a:srgbClr val="EF766A"/>
+              </a:solidFill>
+              <a:ln>
+                <a:noFill/>
+              </a:ln>
+            </p:spPr>
+            <p:style>
+              <a:lnRef idx="2">
+                <a:schemeClr val="accent1">
+                  <a:shade val="50000"/>
+                </a:schemeClr>
+              </a:lnRef>
+              <a:fillRef idx="1">
+                <a:schemeClr val="accent1"/>
+              </a:fillRef>
+              <a:effectRef idx="0">
+                <a:schemeClr val="accent1"/>
+              </a:effectRef>
+              <a:fontRef idx="minor">
+                <a:schemeClr val="lt1"/>
+              </a:fontRef>
+            </p:style>
+            <p:txBody>
+              <a:bodyPr rtlCol="0" anchor="ctr"/>
+              <a:lstStyle/>
+              <a:p>
+                <a:pPr algn="ctr"/>
+                <a:r>
+                  <a:rPr lang="en-US" sz="6600" b="1" dirty="0" smtClean="0">
+                    <a:solidFill>
+                      <a:schemeClr val="accent5">
+                        <a:lumMod val="50000"/>
+                      </a:schemeClr>
+                    </a:solidFill>
+                    <a:latin typeface="Avenir Light" charset="0"/>
+                    <a:ea typeface="Avenir Light" charset="0"/>
+                    <a:cs typeface="Avenir Light" charset="0"/>
+                  </a:rPr>
+                  <a:t>Requirements</a:t>
+                </a:r>
+                <a:endParaRPr lang="en-US" sz="6600" b="1" dirty="0">
+                  <a:solidFill>
+                    <a:schemeClr val="accent5">
+                      <a:lumMod val="50000"/>
+                    </a:schemeClr>
+                  </a:solidFill>
+                  <a:latin typeface="Avenir Light" charset="0"/>
+                  <a:ea typeface="Avenir Light" charset="0"/>
+                  <a:cs typeface="Avenir Light" charset="0"/>
+                </a:endParaRPr>
+              </a:p>
+            </p:txBody>
+          </p:sp>
+        </p:grpSp>
+      </p:grpSp>
+      <p:grpSp>
+        <p:nvGrpSpPr>
+          <p:cNvPr id="71" name="Group 70"/>
+          <p:cNvGrpSpPr/>
+          <p:nvPr/>
+        </p:nvGrpSpPr>
+        <p:grpSpPr>
+          <a:xfrm>
+            <a:off x="10709777" y="29597675"/>
+            <a:ext cx="9152730" cy="1764901"/>
+            <a:chOff x="10583699" y="29648857"/>
+            <a:chExt cx="10108716" cy="2000059"/>
+          </a:xfrm>
+        </p:grpSpPr>
+        <p:grpSp>
+          <p:nvGrpSpPr>
+            <p:cNvPr id="70" name="Group 69"/>
+            <p:cNvGrpSpPr/>
+            <p:nvPr/>
+          </p:nvGrpSpPr>
+          <p:grpSpPr>
+            <a:xfrm>
+              <a:off x="10583699" y="29648857"/>
+              <a:ext cx="10108716" cy="2000059"/>
+              <a:chOff x="10583699" y="29648857"/>
+              <a:chExt cx="10108716" cy="2000059"/>
+            </a:xfrm>
+          </p:grpSpPr>
+          <p:grpSp>
+            <p:nvGrpSpPr>
+              <p:cNvPr id="64" name="Group 63"/>
+              <p:cNvGrpSpPr/>
+              <p:nvPr/>
+            </p:nvGrpSpPr>
+            <p:grpSpPr>
+              <a:xfrm>
+                <a:off x="15608884" y="29655316"/>
+                <a:ext cx="5083531" cy="1993600"/>
+                <a:chOff x="-1024211" y="6787632"/>
+                <a:chExt cx="9269129" cy="2057618"/>
+              </a:xfrm>
+            </p:grpSpPr>
+            <p:sp>
+              <p:nvSpPr>
+                <p:cNvPr id="65" name="Chevron 64"/>
+                <p:cNvSpPr/>
+                <p:nvPr/>
+              </p:nvSpPr>
+              <p:spPr>
+                <a:xfrm rot="10800000">
+                  <a:off x="4364563" y="6787632"/>
+                  <a:ext cx="3880355" cy="2057595"/>
+                </a:xfrm>
+                <a:prstGeom prst="chevron">
+                  <a:avLst/>
+                </a:prstGeom>
+                <a:solidFill>
+                  <a:srgbClr val="EF766A"/>
+                </a:solidFill>
+                <a:ln>
+                  <a:noFill/>
+                </a:ln>
+              </p:spPr>
+              <p:style>
+                <a:lnRef idx="2">
+                  <a:schemeClr val="accent1">
+                    <a:shade val="50000"/>
+                  </a:schemeClr>
+                </a:lnRef>
+                <a:fillRef idx="1">
+                  <a:schemeClr val="accent1"/>
+                </a:fillRef>
+                <a:effectRef idx="0">
+                  <a:schemeClr val="accent1"/>
+                </a:effectRef>
+                <a:fontRef idx="minor">
+                  <a:schemeClr val="lt1"/>
+                </a:fontRef>
+              </p:style>
+              <p:txBody>
+                <a:bodyPr rtlCol="0" anchor="ctr"/>
+                <a:lstStyle/>
+                <a:p>
+                  <a:pPr algn="ctr"/>
+                  <a:endParaRPr lang="en-US">
+                    <a:solidFill>
+                      <a:schemeClr val="tx1"/>
+                    </a:solidFill>
+                  </a:endParaRPr>
+                </a:p>
+              </p:txBody>
+            </p:sp>
+            <p:sp>
+              <p:nvSpPr>
+                <p:cNvPr id="66" name="Rectangle 65"/>
+                <p:cNvSpPr/>
+                <p:nvPr/>
+              </p:nvSpPr>
+              <p:spPr>
+                <a:xfrm>
+                  <a:off x="-1024211" y="6787650"/>
+                  <a:ext cx="7290841" cy="2057600"/>
+                </a:xfrm>
+                <a:prstGeom prst="rect">
+                  <a:avLst/>
+                </a:prstGeom>
+                <a:solidFill>
+                  <a:srgbClr val="EF766A"/>
+                </a:solidFill>
+                <a:ln>
+                  <a:noFill/>
+                </a:ln>
+              </p:spPr>
+              <p:style>
+                <a:lnRef idx="2">
+                  <a:schemeClr val="accent1">
+                    <a:shade val="50000"/>
+                  </a:schemeClr>
+                </a:lnRef>
+                <a:fillRef idx="1">
+                  <a:schemeClr val="accent1"/>
+                </a:fillRef>
+                <a:effectRef idx="0">
+                  <a:schemeClr val="accent1"/>
+                </a:effectRef>
+                <a:fontRef idx="minor">
+                  <a:schemeClr val="lt1"/>
+                </a:fontRef>
+              </p:style>
+              <p:txBody>
+                <a:bodyPr rtlCol="0" anchor="ctr"/>
+                <a:lstStyle/>
+                <a:p>
+                  <a:pPr algn="ctr"/>
+                  <a:endParaRPr lang="en-US" sz="6600" b="1" dirty="0">
+                    <a:solidFill>
+                      <a:schemeClr val="accent5">
+                        <a:lumMod val="50000"/>
+                      </a:schemeClr>
+                    </a:solidFill>
+                    <a:latin typeface="Avenir Light" charset="0"/>
+                    <a:ea typeface="Avenir Light" charset="0"/>
+                    <a:cs typeface="Avenir Light" charset="0"/>
+                  </a:endParaRPr>
+                </a:p>
+              </p:txBody>
+            </p:sp>
+          </p:grpSp>
+          <p:grpSp>
+            <p:nvGrpSpPr>
+              <p:cNvPr id="67" name="Group 66"/>
+              <p:cNvGrpSpPr/>
+              <p:nvPr/>
+            </p:nvGrpSpPr>
+            <p:grpSpPr>
+              <a:xfrm rot="10800000">
+                <a:off x="10583699" y="29648857"/>
+                <a:ext cx="5109741" cy="1993600"/>
+                <a:chOff x="-1024211" y="6787632"/>
+                <a:chExt cx="9316919" cy="2057618"/>
+              </a:xfrm>
+            </p:grpSpPr>
+            <p:sp>
+              <p:nvSpPr>
+                <p:cNvPr id="68" name="Chevron 67"/>
+                <p:cNvSpPr/>
+                <p:nvPr/>
+              </p:nvSpPr>
+              <p:spPr>
+                <a:xfrm rot="10800000">
+                  <a:off x="4412353" y="6787632"/>
+                  <a:ext cx="3880355" cy="2057595"/>
+                </a:xfrm>
+                <a:prstGeom prst="chevron">
+                  <a:avLst/>
+                </a:prstGeom>
+                <a:solidFill>
+                  <a:srgbClr val="EF766A"/>
+                </a:solidFill>
+                <a:ln>
+                  <a:noFill/>
+                </a:ln>
+              </p:spPr>
+              <p:style>
+                <a:lnRef idx="2">
+                  <a:schemeClr val="accent1">
+                    <a:shade val="50000"/>
+                  </a:schemeClr>
+                </a:lnRef>
+                <a:fillRef idx="1">
+                  <a:schemeClr val="accent1"/>
+                </a:fillRef>
+                <a:effectRef idx="0">
+                  <a:schemeClr val="accent1"/>
+                </a:effectRef>
+                <a:fontRef idx="minor">
+                  <a:schemeClr val="lt1"/>
+                </a:fontRef>
+              </p:style>
+              <p:txBody>
+                <a:bodyPr rtlCol="0" anchor="ctr"/>
+                <a:lstStyle/>
+                <a:p>
+                  <a:pPr algn="ctr"/>
+                  <a:endParaRPr lang="en-US">
+                    <a:solidFill>
+                      <a:schemeClr val="tx1"/>
+                    </a:solidFill>
+                  </a:endParaRPr>
+                </a:p>
+              </p:txBody>
+            </p:sp>
+            <p:sp>
+              <p:nvSpPr>
+                <p:cNvPr id="69" name="Rectangle 68"/>
+                <p:cNvSpPr/>
+                <p:nvPr/>
+              </p:nvSpPr>
+              <p:spPr>
+                <a:xfrm>
+                  <a:off x="-1024211" y="6787650"/>
+                  <a:ext cx="7290841" cy="2057600"/>
+                </a:xfrm>
+                <a:prstGeom prst="rect">
+                  <a:avLst/>
+                </a:prstGeom>
+                <a:solidFill>
+                  <a:srgbClr val="EF766A"/>
+                </a:solidFill>
+                <a:ln>
+                  <a:noFill/>
+                </a:ln>
+              </p:spPr>
+              <p:style>
+                <a:lnRef idx="2">
+                  <a:schemeClr val="accent1">
+                    <a:shade val="50000"/>
+                  </a:schemeClr>
+                </a:lnRef>
+                <a:fillRef idx="1">
+                  <a:schemeClr val="accent1"/>
+                </a:fillRef>
+                <a:effectRef idx="0">
+                  <a:schemeClr val="accent1"/>
+                </a:effectRef>
+                <a:fontRef idx="minor">
+                  <a:schemeClr val="lt1"/>
+                </a:fontRef>
+              </p:style>
+              <p:txBody>
+                <a:bodyPr rtlCol="0" anchor="ctr"/>
+                <a:lstStyle/>
+                <a:p>
+                  <a:pPr algn="ctr"/>
+                  <a:endParaRPr lang="en-US" sz="6600" b="1" dirty="0">
+                    <a:solidFill>
+                      <a:schemeClr val="accent5">
+                        <a:lumMod val="50000"/>
+                      </a:schemeClr>
+                    </a:solidFill>
+                    <a:latin typeface="Avenir Light" charset="0"/>
+                    <a:ea typeface="Avenir Light" charset="0"/>
+                    <a:cs typeface="Avenir Light" charset="0"/>
+                  </a:endParaRPr>
+                </a:p>
+              </p:txBody>
+            </p:sp>
+          </p:grpSp>
+        </p:grpSp>
+        <p:sp>
+          <p:nvSpPr>
+            <p:cNvPr id="11" name="TextBox 10"/>
+            <p:cNvSpPr txBox="1"/>
+            <p:nvPr/>
+          </p:nvSpPr>
+          <p:spPr>
+            <a:xfrm>
+              <a:off x="11683781" y="29836497"/>
+              <a:ext cx="7815683" cy="1323439"/>
+            </a:xfrm>
+            <a:prstGeom prst="rect">
+              <a:avLst/>
+            </a:prstGeom>
+            <a:noFill/>
+          </p:spPr>
+          <p:txBody>
+            <a:bodyPr wrap="square" rtlCol="0">
+              <a:spAutoFit/>
+            </a:bodyPr>
+            <a:lstStyle/>
+            <a:p>
+              <a:pPr algn="ctr"/>
+              <a:r>
+                <a:rPr lang="en-US" sz="8000" b="1" dirty="0" smtClean="0">
+                  <a:solidFill>
+                    <a:schemeClr val="accent5">
+                      <a:lumMod val="50000"/>
+                    </a:schemeClr>
+                  </a:solidFill>
+                  <a:latin typeface="Avenir Light" charset="0"/>
+                  <a:ea typeface="Avenir Light" charset="0"/>
+                  <a:cs typeface="Avenir Light" charset="0"/>
+                </a:rPr>
+                <a:t>The System</a:t>
+              </a:r>
+              <a:endParaRPr lang="en-US" sz="8000" b="1" dirty="0">
+                <a:solidFill>
+                  <a:schemeClr val="accent5">
+                    <a:lumMod val="50000"/>
+                  </a:schemeClr>
+                </a:solidFill>
+                <a:latin typeface="Avenir Light" charset="0"/>
+                <a:ea typeface="Avenir Light" charset="0"/>
+                <a:cs typeface="Avenir Light" charset="0"/>
+              </a:endParaRPr>
+            </a:p>
+          </p:txBody>
+        </p:sp>
+      </p:grpSp>
+      <p:grpSp>
+        <p:nvGrpSpPr>
+          <p:cNvPr id="50" name="Group 49"/>
+          <p:cNvGrpSpPr/>
+          <p:nvPr/>
+        </p:nvGrpSpPr>
+        <p:grpSpPr>
+          <a:xfrm>
+            <a:off x="275861" y="16625260"/>
+            <a:ext cx="8848589" cy="1819266"/>
+            <a:chOff x="257068" y="6467742"/>
+            <a:chExt cx="7506930" cy="1819266"/>
+          </a:xfrm>
+        </p:grpSpPr>
+        <p:sp>
+          <p:nvSpPr>
+            <p:cNvPr id="51" name="Freeform 50"/>
+            <p:cNvSpPr/>
+            <p:nvPr/>
+          </p:nvSpPr>
+          <p:spPr>
+            <a:xfrm>
+              <a:off x="257068" y="7816159"/>
+              <a:ext cx="335560" cy="470849"/>
+            </a:xfrm>
+            <a:custGeom>
+              <a:avLst/>
+              <a:gdLst>
+                <a:gd name="connsiteX0" fmla="*/ 0 w 309716"/>
+                <a:gd name="connsiteY0" fmla="*/ 0 h 309716"/>
+                <a:gd name="connsiteX1" fmla="*/ 309716 w 309716"/>
+                <a:gd name="connsiteY1" fmla="*/ 309716 h 309716"/>
+                <a:gd name="connsiteX2" fmla="*/ 294968 w 309716"/>
+                <a:gd name="connsiteY2" fmla="*/ 0 h 309716"/>
+                <a:gd name="connsiteX3" fmla="*/ 0 w 309716"/>
+                <a:gd name="connsiteY3" fmla="*/ 0 h 309716"/>
+              </a:gdLst>
+              <a:ahLst/>
+              <a:cxnLst>
+                <a:cxn ang="0">
+                  <a:pos x="connsiteX0" y="connsiteY0"/>
+                </a:cxn>
+                <a:cxn ang="0">
+                  <a:pos x="connsiteX1" y="connsiteY1"/>
+                </a:cxn>
+                <a:cxn ang="0">
+                  <a:pos x="connsiteX2" y="connsiteY2"/>
+                </a:cxn>
+                <a:cxn ang="0">
+                  <a:pos x="connsiteX3" y="connsiteY3"/>
+                </a:cxn>
+              </a:cxnLst>
+              <a:rect l="l" t="t" r="r" b="b"/>
+              <a:pathLst>
+                <a:path w="309716" h="309716">
+                  <a:moveTo>
+                    <a:pt x="0" y="0"/>
+                  </a:moveTo>
+                  <a:lnTo>
+                    <a:pt x="309716" y="309716"/>
+                  </a:lnTo>
+                  <a:lnTo>
+                    <a:pt x="294968" y="0"/>
+                  </a:lnTo>
+                  <a:lnTo>
+                    <a:pt x="0" y="0"/>
+                  </a:lnTo>
+                  <a:close/>
+                </a:path>
+              </a:pathLst>
+            </a:custGeom>
+            <a:solidFill>
+              <a:srgbClr val="746C66"/>
+            </a:solidFill>
+            <a:ln>
+              <a:noFill/>
+            </a:ln>
+          </p:spPr>
+          <p:style>
+            <a:lnRef idx="2">
+              <a:schemeClr val="accent1">
+                <a:shade val="50000"/>
+              </a:schemeClr>
+            </a:lnRef>
+            <a:fillRef idx="1">
+              <a:schemeClr val="accent1"/>
+            </a:fillRef>
+            <a:effectRef idx="0">
+              <a:schemeClr val="accent1"/>
+            </a:effectRef>
+            <a:fontRef idx="minor">
+              <a:schemeClr val="lt1"/>
+            </a:fontRef>
+          </p:style>
+          <p:txBody>
+            <a:bodyPr rtlCol="0" anchor="ctr"/>
+            <a:lstStyle/>
+            <a:p>
+              <a:pPr algn="ctr"/>
+              <a:endParaRPr lang="en-US"/>
+            </a:p>
+          </p:txBody>
+        </p:sp>
+        <p:grpSp>
+          <p:nvGrpSpPr>
+            <p:cNvPr id="52" name="Group 51"/>
+            <p:cNvGrpSpPr/>
+            <p:nvPr/>
+          </p:nvGrpSpPr>
+          <p:grpSpPr>
+            <a:xfrm>
+              <a:off x="257068" y="6467742"/>
+              <a:ext cx="7506930" cy="1358806"/>
+              <a:chOff x="-1024211" y="6787632"/>
+              <a:chExt cx="9460289" cy="2057618"/>
+            </a:xfrm>
+          </p:grpSpPr>
+          <p:sp>
+            <p:nvSpPr>
+              <p:cNvPr id="53" name="Chevron 52"/>
+              <p:cNvSpPr/>
+              <p:nvPr/>
+            </p:nvSpPr>
+            <p:spPr>
+              <a:xfrm rot="10800000">
+                <a:off x="4555724" y="6787632"/>
+                <a:ext cx="3880354" cy="2057595"/>
+              </a:xfrm>
+              <a:prstGeom prst="chevron">
+                <a:avLst/>
+              </a:prstGeom>
+              <a:solidFill>
+                <a:srgbClr val="EF766A"/>
+              </a:solidFill>
+              <a:ln>
+                <a:noFill/>
+              </a:ln>
+            </p:spPr>
+            <p:style>
+              <a:lnRef idx="2">
+                <a:schemeClr val="accent1">
+                  <a:shade val="50000"/>
+                </a:schemeClr>
+              </a:lnRef>
+              <a:fillRef idx="1">
+                <a:schemeClr val="accent1"/>
+              </a:fillRef>
+              <a:effectRef idx="0">
+                <a:schemeClr val="accent1"/>
+              </a:effectRef>
+              <a:fontRef idx="minor">
+                <a:schemeClr val="lt1"/>
+              </a:fontRef>
+            </p:style>
+            <p:txBody>
+              <a:bodyPr rtlCol="0" anchor="ctr"/>
+              <a:lstStyle/>
+              <a:p>
+                <a:pPr algn="ctr"/>
+                <a:endParaRPr lang="en-US">
+                  <a:solidFill>
+                    <a:schemeClr val="tx1"/>
+                  </a:solidFill>
+                </a:endParaRPr>
+              </a:p>
+            </p:txBody>
+          </p:sp>
+          <p:sp>
+            <p:nvSpPr>
+              <p:cNvPr id="54" name="Rectangle 53"/>
+              <p:cNvSpPr/>
+              <p:nvPr/>
+            </p:nvSpPr>
+            <p:spPr>
+              <a:xfrm>
+                <a:off x="-1024211" y="6787650"/>
+                <a:ext cx="8679236" cy="2057600"/>
+              </a:xfrm>
+              <a:prstGeom prst="rect">
+                <a:avLst/>
+              </a:prstGeom>
+              <a:solidFill>
+                <a:srgbClr val="EF766A"/>
+              </a:solidFill>
+              <a:ln>
+                <a:noFill/>
+              </a:ln>
+            </p:spPr>
+            <p:style>
+              <a:lnRef idx="2">
+                <a:schemeClr val="accent1">
+                  <a:shade val="50000"/>
+                </a:schemeClr>
+              </a:lnRef>
+              <a:fillRef idx="1">
+                <a:schemeClr val="accent1"/>
+              </a:fillRef>
+              <a:effectRef idx="0">
+                <a:schemeClr val="accent1"/>
+              </a:effectRef>
+              <a:fontRef idx="minor">
+                <a:schemeClr val="lt1"/>
+              </a:fontRef>
+            </p:style>
+            <p:txBody>
+              <a:bodyPr rtlCol="0" anchor="ctr"/>
+              <a:lstStyle/>
+              <a:p>
+                <a:pPr>
+                  <a:lnSpc>
+                    <a:spcPct val="150000"/>
+                  </a:lnSpc>
+                </a:pPr>
+                <a:r>
+                  <a:rPr lang="en-US" sz="6600" b="1" dirty="0" smtClean="0">
+                    <a:solidFill>
+                      <a:schemeClr val="accent5">
+                        <a:lumMod val="50000"/>
+                      </a:schemeClr>
+                    </a:solidFill>
+                    <a:latin typeface="Avenir Light" charset="0"/>
+                    <a:ea typeface="Avenir Light" charset="0"/>
+                    <a:cs typeface="Avenir Light" charset="0"/>
+                  </a:rPr>
+                  <a:t>Technical challenges</a:t>
+                </a:r>
+                <a:endParaRPr lang="en-US" sz="6600" b="1" dirty="0">
+                  <a:solidFill>
+                    <a:schemeClr val="accent5">
+                      <a:lumMod val="50000"/>
+                    </a:schemeClr>
+                  </a:solidFill>
+                  <a:latin typeface="Avenir Light" charset="0"/>
+                  <a:ea typeface="Avenir Light" charset="0"/>
+                  <a:cs typeface="Avenir Light" charset="0"/>
+                </a:endParaRPr>
+              </a:p>
+            </p:txBody>
+          </p:sp>
+        </p:grpSp>
+      </p:grpSp>
+      <p:grpSp>
+        <p:nvGrpSpPr>
+          <p:cNvPr id="55" name="Group 54"/>
+          <p:cNvGrpSpPr/>
+          <p:nvPr/>
+        </p:nvGrpSpPr>
+        <p:grpSpPr>
+          <a:xfrm>
+            <a:off x="15436560" y="16614942"/>
+            <a:ext cx="7506930" cy="1819266"/>
+            <a:chOff x="257068" y="6467742"/>
+            <a:chExt cx="7506930" cy="1819266"/>
+          </a:xfrm>
+        </p:grpSpPr>
+        <p:sp>
+          <p:nvSpPr>
+            <p:cNvPr id="56" name="Freeform 55"/>
+            <p:cNvSpPr/>
+            <p:nvPr/>
+          </p:nvSpPr>
+          <p:spPr>
+            <a:xfrm>
+              <a:off x="257068" y="7816159"/>
+              <a:ext cx="335560" cy="470849"/>
+            </a:xfrm>
+            <a:custGeom>
+              <a:avLst/>
+              <a:gdLst>
+                <a:gd name="connsiteX0" fmla="*/ 0 w 309716"/>
+                <a:gd name="connsiteY0" fmla="*/ 0 h 309716"/>
+                <a:gd name="connsiteX1" fmla="*/ 309716 w 309716"/>
+                <a:gd name="connsiteY1" fmla="*/ 309716 h 309716"/>
+                <a:gd name="connsiteX2" fmla="*/ 294968 w 309716"/>
+                <a:gd name="connsiteY2" fmla="*/ 0 h 309716"/>
+                <a:gd name="connsiteX3" fmla="*/ 0 w 309716"/>
+                <a:gd name="connsiteY3" fmla="*/ 0 h 309716"/>
+              </a:gdLst>
+              <a:ahLst/>
+              <a:cxnLst>
+                <a:cxn ang="0">
+                  <a:pos x="connsiteX0" y="connsiteY0"/>
+                </a:cxn>
+                <a:cxn ang="0">
+                  <a:pos x="connsiteX1" y="connsiteY1"/>
+                </a:cxn>
+                <a:cxn ang="0">
+                  <a:pos x="connsiteX2" y="connsiteY2"/>
+                </a:cxn>
+                <a:cxn ang="0">
+                  <a:pos x="connsiteX3" y="connsiteY3"/>
+                </a:cxn>
+              </a:cxnLst>
+              <a:rect l="l" t="t" r="r" b="b"/>
+              <a:pathLst>
+                <a:path w="309716" h="309716">
+                  <a:moveTo>
+                    <a:pt x="0" y="0"/>
+                  </a:moveTo>
+                  <a:lnTo>
+                    <a:pt x="309716" y="309716"/>
+                  </a:lnTo>
+                  <a:lnTo>
+                    <a:pt x="294968" y="0"/>
+                  </a:lnTo>
+                  <a:lnTo>
+                    <a:pt x="0" y="0"/>
+                  </a:lnTo>
+                  <a:close/>
+                </a:path>
+              </a:pathLst>
+            </a:custGeom>
+            <a:solidFill>
+              <a:srgbClr val="746C66"/>
+            </a:solidFill>
+            <a:ln>
+              <a:noFill/>
+            </a:ln>
+          </p:spPr>
+          <p:style>
+            <a:lnRef idx="2">
+              <a:schemeClr val="accent1">
+                <a:shade val="50000"/>
+              </a:schemeClr>
+            </a:lnRef>
+            <a:fillRef idx="1">
+              <a:schemeClr val="accent1"/>
+            </a:fillRef>
+            <a:effectRef idx="0">
+              <a:schemeClr val="accent1"/>
+            </a:effectRef>
+            <a:fontRef idx="minor">
+              <a:schemeClr val="lt1"/>
+            </a:fontRef>
+          </p:style>
+          <p:txBody>
+            <a:bodyPr rtlCol="0" anchor="ctr"/>
+            <a:lstStyle/>
+            <a:p>
+              <a:pPr algn="ctr"/>
+              <a:endParaRPr lang="en-US"/>
+            </a:p>
+          </p:txBody>
+        </p:sp>
+        <p:grpSp>
+          <p:nvGrpSpPr>
+            <p:cNvPr id="57" name="Group 56"/>
+            <p:cNvGrpSpPr/>
+            <p:nvPr/>
+          </p:nvGrpSpPr>
+          <p:grpSpPr>
+            <a:xfrm>
+              <a:off x="257068" y="6467742"/>
+              <a:ext cx="7506930" cy="1358806"/>
+              <a:chOff x="-1024211" y="6787632"/>
+              <a:chExt cx="9460289" cy="2057618"/>
+            </a:xfrm>
+          </p:grpSpPr>
+          <p:sp>
+            <p:nvSpPr>
+              <p:cNvPr id="58" name="Chevron 57"/>
+              <p:cNvSpPr/>
+              <p:nvPr/>
+            </p:nvSpPr>
+            <p:spPr>
+              <a:xfrm rot="10800000">
+                <a:off x="4555724" y="6787632"/>
+                <a:ext cx="3880354" cy="2057595"/>
+              </a:xfrm>
+              <a:prstGeom prst="chevron">
+                <a:avLst/>
+              </a:prstGeom>
+              <a:solidFill>
+                <a:srgbClr val="EF766A"/>
+              </a:solidFill>
+              <a:ln>
+                <a:noFill/>
+              </a:ln>
+            </p:spPr>
+            <p:style>
+              <a:lnRef idx="2">
+                <a:schemeClr val="accent1">
+                  <a:shade val="50000"/>
+                </a:schemeClr>
+              </a:lnRef>
+              <a:fillRef idx="1">
+                <a:schemeClr val="accent1"/>
+              </a:fillRef>
+              <a:effectRef idx="0">
+                <a:schemeClr val="accent1"/>
+              </a:effectRef>
+              <a:fontRef idx="minor">
+                <a:schemeClr val="lt1"/>
+              </a:fontRef>
+            </p:style>
+            <p:txBody>
+              <a:bodyPr rtlCol="0" anchor="ctr"/>
+              <a:lstStyle/>
+              <a:p>
+                <a:pPr algn="ctr"/>
+                <a:endParaRPr lang="en-US">
+                  <a:solidFill>
+                    <a:schemeClr val="tx1"/>
+                  </a:solidFill>
+                </a:endParaRPr>
+              </a:p>
+            </p:txBody>
+          </p:sp>
+          <p:sp>
+            <p:nvSpPr>
+              <p:cNvPr id="59" name="Rectangle 58"/>
+              <p:cNvSpPr/>
+              <p:nvPr/>
+            </p:nvSpPr>
+            <p:spPr>
+              <a:xfrm>
+                <a:off x="-1024211" y="6787650"/>
+                <a:ext cx="7290841" cy="2057600"/>
+              </a:xfrm>
+              <a:prstGeom prst="rect">
+                <a:avLst/>
+              </a:prstGeom>
+              <a:solidFill>
+                <a:srgbClr val="EF766A"/>
+              </a:solidFill>
+              <a:ln>
+                <a:noFill/>
+              </a:ln>
+            </p:spPr>
+            <p:style>
+              <a:lnRef idx="2">
+                <a:schemeClr val="accent1">
+                  <a:shade val="50000"/>
+                </a:schemeClr>
+              </a:lnRef>
+              <a:fillRef idx="1">
+                <a:schemeClr val="accent1"/>
+              </a:fillRef>
+              <a:effectRef idx="0">
+                <a:schemeClr val="accent1"/>
+              </a:effectRef>
+              <a:fontRef idx="minor">
+                <a:schemeClr val="lt1"/>
+              </a:fontRef>
+            </p:style>
+            <p:txBody>
+              <a:bodyPr rtlCol="0" anchor="ctr"/>
+              <a:lstStyle/>
+              <a:p>
+                <a:pPr algn="ctr"/>
+                <a:r>
+                  <a:rPr lang="en-US" sz="6600" b="1" dirty="0" smtClean="0">
+                    <a:solidFill>
+                      <a:schemeClr val="accent5">
+                        <a:lumMod val="50000"/>
+                      </a:schemeClr>
+                    </a:solidFill>
+                    <a:latin typeface="Avenir Light" charset="0"/>
+                    <a:ea typeface="Avenir Light" charset="0"/>
+                    <a:cs typeface="Avenir Light" charset="0"/>
+                  </a:rPr>
+                  <a:t>Solutions</a:t>
+                </a:r>
+                <a:endParaRPr lang="en-US" sz="6600" b="1" dirty="0">
+                  <a:solidFill>
+                    <a:schemeClr val="accent5">
+                      <a:lumMod val="50000"/>
+                    </a:schemeClr>
+                  </a:solidFill>
+                  <a:latin typeface="Avenir Light" charset="0"/>
+                  <a:ea typeface="Avenir Light" charset="0"/>
+                  <a:cs typeface="Avenir Light" charset="0"/>
+                </a:endParaRPr>
+              </a:p>
+            </p:txBody>
+          </p:sp>
+        </p:grpSp>
+      </p:grpSp>
     </p:spTree>
     <p:extLst>
       <p:ext uri="{BB962C8B-B14F-4D97-AF65-F5344CB8AC3E}">
